--- a/translations/en-us/beginner/LessonUse.pptx
+++ b/translations/en-us/beginner/LessonUse.pptx
@@ -6,16 +6,17 @@
     <p:sldMasterId id="2147483726" r:id="rId2"/>
   </p:sldMasterIdLst>
   <p:notesMasterIdLst>
-    <p:notesMasterId r:id="rId7"/>
+    <p:notesMasterId r:id="rId8"/>
   </p:notesMasterIdLst>
   <p:handoutMasterIdLst>
-    <p:handoutMasterId r:id="rId8"/>
+    <p:handoutMasterId r:id="rId9"/>
   </p:handoutMasterIdLst>
   <p:sldIdLst>
     <p:sldId id="408" r:id="rId3"/>
     <p:sldId id="412" r:id="rId4"/>
     <p:sldId id="411" r:id="rId5"/>
     <p:sldId id="413" r:id="rId6"/>
+    <p:sldId id="414" r:id="rId7"/>
   </p:sldIdLst>
   <p:sldSz cx="9144000" cy="6858000" type="screen4x3"/>
   <p:notesSz cx="6858000" cy="9144000"/>
@@ -116,7 +117,7 @@
   </p:defaultTextStyle>
   <p:extLst>
     <p:ext uri="{EFAFB233-063F-42B5-8137-9DF3F51BA10A}">
-      <p15:sldGuideLst xmlns:p15="http://schemas.microsoft.com/office/powerpoint/2012/main">
+      <p15:sldGuideLst xmlns:p15="http://schemas.microsoft.com/office/powerpoint/2012/main" xmlns="">
         <p15:guide id="1" orient="horz" pos="2160">
           <p15:clr>
             <a:srgbClr val="A4A3A4"/>
@@ -215,7 +216,7 @@
           <a:p>
             <a:fld id="{F8D9B3D7-15CB-9343-AA49-EFB5A8F33F18}" type="datetimeFigureOut">
               <a:rPr lang="en-US" smtClean="0"/>
-              <a:t>2/28/2015</a:t>
+              <a:t>9/22/15</a:t>
             </a:fld>
             <a:endParaRPr lang="en-US"/>
           </a:p>
@@ -381,7 +382,7 @@
           <a:p>
             <a:fld id="{FD3EFF1E-85A1-6640-AFB9-C38833E80A84}" type="datetimeFigureOut">
               <a:rPr lang="en-US" smtClean="0"/>
-              <a:t>2/28/2015</a:t>
+              <a:t>9/22/15</a:t>
             </a:fld>
             <a:endParaRPr lang="en-US"/>
           </a:p>
@@ -925,9 +926,9 @@
           <a:bodyPr/>
           <a:lstStyle/>
           <a:p>
-            <a:fld id="{EACB2B30-379C-4202-B1F3-D3B522878603}" type="datetime1">
-              <a:rPr lang="en-US" smtClean="0"/>
-              <a:t>2/28/2015</a:t>
+            <a:fld id="{96B7A8C7-3E09-7948-9D61-597B7A958F80}" type="datetime1">
+              <a:rPr lang="en-US" smtClean="0"/>
+              <a:t>9/22/15</a:t>
             </a:fld>
             <a:endParaRPr lang="en-US"/>
           </a:p>
@@ -950,7 +951,7 @@
           <a:p>
             <a:r>
               <a:rPr lang="en-US" smtClean="0"/>
-              <a:t>Copyright © EV3Lessons.com 2015 (Last edit: 2/26/2015)</a:t>
+              <a:t>Copyright © EV3Lessons.com 2015 (Last edit: 9/22/2015)</a:t>
             </a:r>
             <a:endParaRPr lang="en-US"/>
           </a:p>
@@ -1117,7 +1118,7 @@
   <p:timing>
     <p:tnLst>
       <p:par>
-        <p:cTn id="1" dur="indefinite" restart="never" nodeType="tmRoot"/>
+        <p:cTn xmlns:p14="http://schemas.microsoft.com/office/powerpoint/2010/main" id="1" dur="indefinite" restart="never" nodeType="tmRoot"/>
       </p:par>
     </p:tnLst>
   </p:timing>
@@ -1231,9 +1232,9 @@
           <a:bodyPr/>
           <a:lstStyle/>
           <a:p>
-            <a:fld id="{9712A3EB-3DEA-48FE-9BFC-EC2522B74ADE}" type="datetime1">
-              <a:rPr lang="en-US" smtClean="0"/>
-              <a:t>2/28/2015</a:t>
+            <a:fld id="{928D1CB7-C56B-BF4B-A8B6-8B3DA32F0C8E}" type="datetime1">
+              <a:rPr lang="en-US" smtClean="0"/>
+              <a:t>9/22/15</a:t>
             </a:fld>
             <a:endParaRPr lang="en-US"/>
           </a:p>
@@ -1256,7 +1257,7 @@
           <a:p>
             <a:r>
               <a:rPr lang="en-US" smtClean="0"/>
-              <a:t>Copyright © EV3Lessons.com 2015 (Last edit: 2/26/2015)</a:t>
+              <a:t>Copyright © EV3Lessons.com 2015 (Last edit: 9/22/2015)</a:t>
             </a:r>
             <a:endParaRPr lang="en-US"/>
           </a:p>
@@ -1418,9 +1419,9 @@
           <a:bodyPr/>
           <a:lstStyle/>
           <a:p>
-            <a:fld id="{70B33115-2338-48F2-AC41-157C6B87719A}" type="datetime1">
-              <a:rPr lang="en-US" smtClean="0"/>
-              <a:t>2/28/2015</a:t>
+            <a:fld id="{EBDC20D6-5ABB-7541-9C08-D37C43330BEE}" type="datetime1">
+              <a:rPr lang="en-US" smtClean="0"/>
+              <a:t>9/22/15</a:t>
             </a:fld>
             <a:endParaRPr lang="en-US"/>
           </a:p>
@@ -1443,7 +1444,7 @@
           <a:p>
             <a:r>
               <a:rPr lang="en-US" smtClean="0"/>
-              <a:t>Copyright © EV3Lessons.com 2015 (Last edit: 2/26/2015)</a:t>
+              <a:t>Copyright © EV3Lessons.com 2015 (Last edit: 9/22/2015)</a:t>
             </a:r>
             <a:endParaRPr lang="en-US"/>
           </a:p>
@@ -1617,9 +1618,9 @@
           <a:bodyPr/>
           <a:lstStyle/>
           <a:p>
-            <a:fld id="{52E4F7A2-CC09-4E29-8283-AB801139ECC9}" type="datetime1">
-              <a:rPr lang="en-US" smtClean="0"/>
-              <a:t>2/28/2015</a:t>
+            <a:fld id="{85CAE005-3157-D340-A2D8-A9470CED3900}" type="datetime1">
+              <a:rPr lang="en-US" smtClean="0"/>
+              <a:t>9/22/15</a:t>
             </a:fld>
             <a:endParaRPr lang="en-US"/>
           </a:p>
@@ -1642,7 +1643,7 @@
           <a:p>
             <a:r>
               <a:rPr lang="en-US" smtClean="0"/>
-              <a:t>Copyright © EV3Lessons.com 2015 (Last edit: 2/26/2015)</a:t>
+              <a:t>Copyright © EV3Lessons.com 2015 (Last edit: 9/22/2015)</a:t>
             </a:r>
             <a:endParaRPr lang="en-US"/>
           </a:p>
@@ -1791,9 +1792,9 @@
           <a:bodyPr/>
           <a:lstStyle/>
           <a:p>
-            <a:fld id="{DB04619B-604B-42D5-BB8F-A8BCBE6B2F1D}" type="datetime1">
-              <a:rPr lang="en-US" smtClean="0"/>
-              <a:t>2/28/2015</a:t>
+            <a:fld id="{EE76CAB0-D13E-9E4A-8100-ECA22F0E9C24}" type="datetime1">
+              <a:rPr lang="en-US" smtClean="0"/>
+              <a:t>9/22/15</a:t>
             </a:fld>
             <a:endParaRPr lang="en-US"/>
           </a:p>
@@ -1816,7 +1817,7 @@
           <a:p>
             <a:r>
               <a:rPr lang="en-US" smtClean="0"/>
-              <a:t>Copyright © EV3Lessons.com 2015 (Last edit: 2/26/2015)</a:t>
+              <a:t>Copyright © EV3Lessons.com 2015 (Last edit: 9/22/2015)</a:t>
             </a:r>
             <a:endParaRPr lang="en-US"/>
           </a:p>
@@ -2041,9 +2042,9 @@
           <a:bodyPr/>
           <a:lstStyle/>
           <a:p>
-            <a:fld id="{FBDC9A95-D134-4392-8040-E268F7574361}" type="datetime1">
-              <a:rPr lang="en-US" smtClean="0"/>
-              <a:t>2/28/2015</a:t>
+            <a:fld id="{DC7671E5-C857-7346-A42F-87A6992B2722}" type="datetime1">
+              <a:rPr lang="en-US" smtClean="0"/>
+              <a:t>9/22/15</a:t>
             </a:fld>
             <a:endParaRPr lang="en-US"/>
           </a:p>
@@ -2066,7 +2067,7 @@
           <a:p>
             <a:r>
               <a:rPr lang="en-US" smtClean="0"/>
-              <a:t>Copyright © EV3Lessons.com 2015 (Last edit: 2/26/2015)</a:t>
+              <a:t>Copyright © EV3Lessons.com 2015 (Last edit: 9/22/2015)</a:t>
             </a:r>
             <a:endParaRPr lang="en-US"/>
           </a:p>
@@ -2277,9 +2278,9 @@
           <a:bodyPr/>
           <a:lstStyle/>
           <a:p>
-            <a:fld id="{AC7018EF-5B37-49DF-9C9A-FBD17F454B3B}" type="datetime1">
-              <a:rPr lang="en-US" smtClean="0"/>
-              <a:t>2/28/2015</a:t>
+            <a:fld id="{7779CDEE-5736-8F45-BBD5-B69AC739AEBB}" type="datetime1">
+              <a:rPr lang="en-US" smtClean="0"/>
+              <a:t>9/22/15</a:t>
             </a:fld>
             <a:endParaRPr lang="en-US"/>
           </a:p>
@@ -2302,7 +2303,7 @@
           <a:p>
             <a:r>
               <a:rPr lang="en-US" smtClean="0"/>
-              <a:t>Copyright © EV3Lessons.com 2015 (Last edit: 2/26/2015)</a:t>
+              <a:t>Copyright © EV3Lessons.com 2015 (Last edit: 9/22/2015)</a:t>
             </a:r>
             <a:endParaRPr lang="en-US"/>
           </a:p>
@@ -2648,9 +2649,9 @@
           <a:bodyPr/>
           <a:lstStyle/>
           <a:p>
-            <a:fld id="{BE546CA9-EE68-465B-9E04-0F5EF2792ACB}" type="datetime1">
-              <a:rPr lang="en-US" smtClean="0"/>
-              <a:t>2/28/2015</a:t>
+            <a:fld id="{C88290E0-0391-E943-A294-DE2ECECE912E}" type="datetime1">
+              <a:rPr lang="en-US" smtClean="0"/>
+              <a:t>9/22/15</a:t>
             </a:fld>
             <a:endParaRPr lang="en-US"/>
           </a:p>
@@ -2673,7 +2674,7 @@
           <a:p>
             <a:r>
               <a:rPr lang="en-US" smtClean="0"/>
-              <a:t>Copyright © EV3Lessons.com 2015 (Last edit: 2/26/2015)</a:t>
+              <a:t>Copyright © EV3Lessons.com 2015 (Last edit: 9/22/2015)</a:t>
             </a:r>
             <a:endParaRPr lang="en-US"/>
           </a:p>
@@ -2770,9 +2771,9 @@
           <a:bodyPr/>
           <a:lstStyle/>
           <a:p>
-            <a:fld id="{C520C8DF-748B-4FF9-AC64-D91D47300A50}" type="datetime1">
-              <a:rPr lang="en-US" smtClean="0"/>
-              <a:t>2/28/2015</a:t>
+            <a:fld id="{07993D8C-9CD7-5B4A-992E-047532CE4569}" type="datetime1">
+              <a:rPr lang="en-US" smtClean="0"/>
+              <a:t>9/22/15</a:t>
             </a:fld>
             <a:endParaRPr lang="en-US"/>
           </a:p>
@@ -2795,7 +2796,7 @@
           <a:p>
             <a:r>
               <a:rPr lang="en-US" smtClean="0"/>
-              <a:t>Copyright © EV3Lessons.com 2015 (Last edit: 2/26/2015)</a:t>
+              <a:t>Copyright © EV3Lessons.com 2015 (Last edit: 9/22/2015)</a:t>
             </a:r>
             <a:endParaRPr lang="en-US"/>
           </a:p>
@@ -2869,9 +2870,9 @@
           <a:bodyPr/>
           <a:lstStyle/>
           <a:p>
-            <a:fld id="{9C1B64FC-0B07-4FCC-A4B7-2A793D98D8AF}" type="datetime1">
-              <a:rPr lang="en-US" smtClean="0"/>
-              <a:t>2/28/2015</a:t>
+            <a:fld id="{97D1D6EC-C1DC-9A47-A3E5-51BE8FBA26CB}" type="datetime1">
+              <a:rPr lang="en-US" smtClean="0"/>
+              <a:t>9/22/15</a:t>
             </a:fld>
             <a:endParaRPr lang="en-US"/>
           </a:p>
@@ -2894,7 +2895,7 @@
           <a:p>
             <a:r>
               <a:rPr lang="en-US" smtClean="0"/>
-              <a:t>Copyright © EV3Lessons.com 2015 (Last edit: 2/26/2015)</a:t>
+              <a:t>Copyright © EV3Lessons.com 2015 (Last edit: 9/22/2015)</a:t>
             </a:r>
             <a:endParaRPr lang="en-US"/>
           </a:p>
@@ -3150,9 +3151,9 @@
           <a:bodyPr/>
           <a:lstStyle/>
           <a:p>
-            <a:fld id="{44C30B84-0603-4FC7-84D9-BD9D09332374}" type="datetime1">
-              <a:rPr lang="en-US" smtClean="0"/>
-              <a:t>2/28/2015</a:t>
+            <a:fld id="{191202A3-C0FF-3048-96FB-FC47CA0194D5}" type="datetime1">
+              <a:rPr lang="en-US" smtClean="0"/>
+              <a:t>9/22/15</a:t>
             </a:fld>
             <a:endParaRPr lang="en-US"/>
           </a:p>
@@ -3175,7 +3176,7 @@
           <a:p>
             <a:r>
               <a:rPr lang="en-US" smtClean="0"/>
-              <a:t>Copyright © EV3Lessons.com 2015 (Last edit: 2/26/2015)</a:t>
+              <a:t>Copyright © EV3Lessons.com 2015 (Last edit: 9/22/2015)</a:t>
             </a:r>
             <a:endParaRPr lang="en-US"/>
           </a:p>
@@ -3334,9 +3335,9 @@
           <a:bodyPr/>
           <a:lstStyle/>
           <a:p>
-            <a:fld id="{DC74358E-D881-4525-B70A-DE14D094364E}" type="datetime1">
-              <a:rPr lang="en-US" smtClean="0"/>
-              <a:t>2/28/2015</a:t>
+            <a:fld id="{2B89C5B1-EA26-3E44-A56E-60E3A3FBEECC}" type="datetime1">
+              <a:rPr lang="en-US" smtClean="0"/>
+              <a:t>9/22/15</a:t>
             </a:fld>
             <a:endParaRPr lang="en-US"/>
           </a:p>
@@ -3359,7 +3360,7 @@
           <a:p>
             <a:r>
               <a:rPr lang="en-US" smtClean="0"/>
-              <a:t>Copyright © EV3Lessons.com 2015 (Last edit: 2/26/2015)</a:t>
+              <a:t>Copyright © EV3Lessons.com 2015 (Last edit: 9/22/2015)</a:t>
             </a:r>
             <a:endParaRPr lang="en-US"/>
           </a:p>
@@ -3404,7 +3405,7 @@
   <p:timing>
     <p:tnLst>
       <p:par>
-        <p:cTn id="1" dur="indefinite" restart="never" nodeType="tmRoot"/>
+        <p:cTn xmlns:p14="http://schemas.microsoft.com/office/powerpoint/2010/main" id="1" dur="indefinite" restart="never" nodeType="tmRoot"/>
       </p:par>
     </p:tnLst>
   </p:timing>
@@ -3601,9 +3602,9 @@
           <a:bodyPr/>
           <a:lstStyle/>
           <a:p>
-            <a:fld id="{2F6647C5-502E-4DBE-A7FD-E03B64209305}" type="datetime1">
-              <a:rPr lang="en-US" smtClean="0"/>
-              <a:t>2/28/2015</a:t>
+            <a:fld id="{ED929BD5-0ACA-474E-876B-0DBD1A53BAB0}" type="datetime1">
+              <a:rPr lang="en-US" smtClean="0"/>
+              <a:t>9/22/15</a:t>
             </a:fld>
             <a:endParaRPr lang="en-US"/>
           </a:p>
@@ -3626,7 +3627,7 @@
           <a:p>
             <a:r>
               <a:rPr lang="en-US" smtClean="0"/>
-              <a:t>Copyright © EV3Lessons.com 2015 (Last edit: 2/26/2015)</a:t>
+              <a:t>Copyright © EV3Lessons.com 2015 (Last edit: 9/22/2015)</a:t>
             </a:r>
             <a:endParaRPr lang="en-US"/>
           </a:p>
@@ -3775,9 +3776,9 @@
           <a:bodyPr/>
           <a:lstStyle/>
           <a:p>
-            <a:fld id="{4953AC36-85B5-4E03-A156-994A603185BA}" type="datetime1">
-              <a:rPr lang="en-US" smtClean="0"/>
-              <a:t>2/28/2015</a:t>
+            <a:fld id="{4436F3C7-9D5A-F044-88CB-ABFD6D2E2F89}" type="datetime1">
+              <a:rPr lang="en-US" smtClean="0"/>
+              <a:t>9/22/15</a:t>
             </a:fld>
             <a:endParaRPr lang="en-US"/>
           </a:p>
@@ -3800,7 +3801,7 @@
           <a:p>
             <a:r>
               <a:rPr lang="en-US" smtClean="0"/>
-              <a:t>Copyright © EV3Lessons.com 2015 (Last edit: 2/26/2015)</a:t>
+              <a:t>Copyright © EV3Lessons.com 2015 (Last edit: 9/22/2015)</a:t>
             </a:r>
             <a:endParaRPr lang="en-US"/>
           </a:p>
@@ -3959,9 +3960,9 @@
           <a:bodyPr/>
           <a:lstStyle/>
           <a:p>
-            <a:fld id="{7482BB1B-B86C-463F-9D70-9FBBAE58DDBA}" type="datetime1">
-              <a:rPr lang="en-US" smtClean="0"/>
-              <a:t>2/28/2015</a:t>
+            <a:fld id="{6C7A1C9B-5A27-9843-B14A-B38D5EF75BE9}" type="datetime1">
+              <a:rPr lang="en-US" smtClean="0"/>
+              <a:t>9/22/15</a:t>
             </a:fld>
             <a:endParaRPr lang="en-US"/>
           </a:p>
@@ -3984,7 +3985,7 @@
           <a:p>
             <a:r>
               <a:rPr lang="en-US" smtClean="0"/>
-              <a:t>Copyright © EV3Lessons.com 2015 (Last edit: 2/26/2015)</a:t>
+              <a:t>Copyright © EV3Lessons.com 2015 (Last edit: 9/22/2015)</a:t>
             </a:r>
             <a:endParaRPr lang="en-US"/>
           </a:p>
@@ -4217,9 +4218,9 @@
           <a:bodyPr/>
           <a:lstStyle/>
           <a:p>
-            <a:fld id="{FFFC3E62-AF39-4395-90BD-B8A775E66488}" type="datetime1">
-              <a:rPr lang="en-US" smtClean="0"/>
-              <a:t>2/28/2015</a:t>
+            <a:fld id="{0F810EF1-DF42-F24D-8C3A-58AD7534091D}" type="datetime1">
+              <a:rPr lang="en-US" smtClean="0"/>
+              <a:t>9/22/15</a:t>
             </a:fld>
             <a:endParaRPr lang="en-US"/>
           </a:p>
@@ -4273,7 +4274,7 @@
           <a:p>
             <a:r>
               <a:rPr lang="en-US" smtClean="0"/>
-              <a:t>Copyright © EV3Lessons.com 2015 (Last edit: 2/26/2015)</a:t>
+              <a:t>Copyright © EV3Lessons.com 2015 (Last edit: 9/22/2015)</a:t>
             </a:r>
             <a:endParaRPr lang="en-US"/>
           </a:p>
@@ -4517,9 +4518,9 @@
           <a:bodyPr/>
           <a:lstStyle/>
           <a:p>
-            <a:fld id="{26F539D2-F48F-443B-BF38-2A6C95CF6A7F}" type="datetime1">
-              <a:rPr lang="en-US" smtClean="0"/>
-              <a:t>2/28/2015</a:t>
+            <a:fld id="{38F43DA9-2CDB-A147-8C82-99A07F0378F7}" type="datetime1">
+              <a:rPr lang="en-US" smtClean="0"/>
+              <a:t>9/22/15</a:t>
             </a:fld>
             <a:endParaRPr lang="en-US"/>
           </a:p>
@@ -4542,7 +4543,7 @@
           <a:p>
             <a:r>
               <a:rPr lang="en-US" smtClean="0"/>
-              <a:t>Copyright © EV3Lessons.com 2015 (Last edit: 2/26/2015)</a:t>
+              <a:t>Copyright © EV3Lessons.com 2015 (Last edit: 9/22/2015)</a:t>
             </a:r>
             <a:endParaRPr lang="en-US"/>
           </a:p>
@@ -4587,7 +4588,7 @@
   <p:timing>
     <p:tnLst>
       <p:par>
-        <p:cTn id="1" dur="indefinite" restart="never" nodeType="tmRoot"/>
+        <p:cTn xmlns:p14="http://schemas.microsoft.com/office/powerpoint/2010/main" id="1" dur="indefinite" restart="never" nodeType="tmRoot"/>
       </p:par>
     </p:tnLst>
   </p:timing>
@@ -4975,9 +4976,9 @@
           <a:bodyPr/>
           <a:lstStyle/>
           <a:p>
-            <a:fld id="{F7A58AE1-8CA8-48CF-ABF4-408B23C67943}" type="datetime1">
-              <a:rPr lang="en-US" smtClean="0"/>
-              <a:t>2/28/2015</a:t>
+            <a:fld id="{48594044-3535-0748-B038-1BEFF304CA5B}" type="datetime1">
+              <a:rPr lang="en-US" smtClean="0"/>
+              <a:t>9/22/15</a:t>
             </a:fld>
             <a:endParaRPr lang="en-US"/>
           </a:p>
@@ -5000,7 +5001,7 @@
           <a:p>
             <a:r>
               <a:rPr lang="en-US" smtClean="0"/>
-              <a:t>Copyright © EV3Lessons.com 2015 (Last edit: 2/26/2015)</a:t>
+              <a:t>Copyright © EV3Lessons.com 2015 (Last edit: 9/22/2015)</a:t>
             </a:r>
             <a:endParaRPr lang="en-US"/>
           </a:p>
@@ -5045,7 +5046,7 @@
   <p:timing>
     <p:tnLst>
       <p:par>
-        <p:cTn id="1" dur="indefinite" restart="never" nodeType="tmRoot"/>
+        <p:cTn xmlns:p14="http://schemas.microsoft.com/office/powerpoint/2010/main" id="1" dur="indefinite" restart="never" nodeType="tmRoot"/>
       </p:par>
     </p:tnLst>
   </p:timing>
@@ -5107,9 +5108,9 @@
           <a:bodyPr/>
           <a:lstStyle/>
           <a:p>
-            <a:fld id="{2B29D99D-AE80-4750-840C-EB9806DF3A06}" type="datetime1">
-              <a:rPr lang="en-US" smtClean="0"/>
-              <a:t>2/28/2015</a:t>
+            <a:fld id="{A15E8011-2CFF-034B-A4AB-D6037936BBDC}" type="datetime1">
+              <a:rPr lang="en-US" smtClean="0"/>
+              <a:t>9/22/15</a:t>
             </a:fld>
             <a:endParaRPr lang="en-US"/>
           </a:p>
@@ -5132,7 +5133,7 @@
           <a:p>
             <a:r>
               <a:rPr lang="en-US" smtClean="0"/>
-              <a:t>Copyright © EV3Lessons.com 2015 (Last edit: 2/26/2015)</a:t>
+              <a:t>Copyright © EV3Lessons.com 2015 (Last edit: 9/22/2015)</a:t>
             </a:r>
             <a:endParaRPr lang="en-US"/>
           </a:p>
@@ -5177,7 +5178,7 @@
   <p:timing>
     <p:tnLst>
       <p:par>
-        <p:cTn id="1" dur="indefinite" restart="never" nodeType="tmRoot"/>
+        <p:cTn xmlns:p14="http://schemas.microsoft.com/office/powerpoint/2010/main" id="1" dur="indefinite" restart="never" nodeType="tmRoot"/>
       </p:par>
     </p:tnLst>
   </p:timing>
@@ -5216,9 +5217,9 @@
           <a:bodyPr/>
           <a:lstStyle/>
           <a:p>
-            <a:fld id="{B7F5DAF1-C883-426E-9BD0-729F56E7A62E}" type="datetime1">
-              <a:rPr lang="en-US" smtClean="0"/>
-              <a:t>2/28/2015</a:t>
+            <a:fld id="{EC1F204B-656E-0747-8D25-7B7C5C06A4B8}" type="datetime1">
+              <a:rPr lang="en-US" smtClean="0"/>
+              <a:t>9/22/15</a:t>
             </a:fld>
             <a:endParaRPr lang="en-US"/>
           </a:p>
@@ -5241,7 +5242,7 @@
           <a:p>
             <a:r>
               <a:rPr lang="en-US" smtClean="0"/>
-              <a:t>Copyright © EV3Lessons.com 2015 (Last edit: 2/26/2015)</a:t>
+              <a:t>Copyright © EV3Lessons.com 2015 (Last edit: 9/22/2015)</a:t>
             </a:r>
             <a:endParaRPr lang="en-US"/>
           </a:p>
@@ -5470,9 +5471,9 @@
           <a:bodyPr/>
           <a:lstStyle/>
           <a:p>
-            <a:fld id="{2600421B-2FF4-4681-B8FD-017EFCF479E2}" type="datetime1">
-              <a:rPr lang="en-US" smtClean="0"/>
-              <a:t>2/28/2015</a:t>
+            <a:fld id="{171B77B7-E402-384D-A641-AD006442A591}" type="datetime1">
+              <a:rPr lang="en-US" smtClean="0"/>
+              <a:t>9/22/15</a:t>
             </a:fld>
             <a:endParaRPr lang="en-US"/>
           </a:p>
@@ -5495,7 +5496,7 @@
           <a:p>
             <a:r>
               <a:rPr lang="en-US" smtClean="0"/>
-              <a:t>Copyright © EV3Lessons.com 2015 (Last edit: 2/26/2015)</a:t>
+              <a:t>Copyright © EV3Lessons.com 2015 (Last edit: 9/22/2015)</a:t>
             </a:r>
             <a:endParaRPr lang="en-US"/>
           </a:p>
@@ -5776,9 +5777,9 @@
           <a:bodyPr/>
           <a:lstStyle/>
           <a:p>
-            <a:fld id="{A2AE46EC-01D0-4B23-8616-BD85B7D82CBA}" type="datetime1">
-              <a:rPr lang="en-US" smtClean="0"/>
-              <a:t>2/28/2015</a:t>
+            <a:fld id="{D9B5BAA5-C4FC-5040-A6EA-0990473972FD}" type="datetime1">
+              <a:rPr lang="en-US" smtClean="0"/>
+              <a:t>9/22/15</a:t>
             </a:fld>
             <a:endParaRPr lang="en-US"/>
           </a:p>
@@ -5801,7 +5802,7 @@
           <a:p>
             <a:r>
               <a:rPr lang="en-US" smtClean="0"/>
-              <a:t>Copyright © EV3Lessons.com 2015 (Last edit: 2/26/2015)</a:t>
+              <a:t>Copyright © EV3Lessons.com 2015 (Last edit: 9/22/2015)</a:t>
             </a:r>
             <a:endParaRPr lang="en-US"/>
           </a:p>
@@ -6082,9 +6083,9 @@
             </a:lvl1pPr>
           </a:lstStyle>
           <a:p>
-            <a:fld id="{29A57015-001D-4DE7-896F-4E51C0D3D8D0}" type="datetime1">
-              <a:rPr lang="en-US" smtClean="0"/>
-              <a:t>2/28/2015</a:t>
+            <a:fld id="{C51BF14C-0C23-8145-B87B-6B15C9E6EA39}" type="datetime1">
+              <a:rPr lang="en-US" smtClean="0"/>
+              <a:t>9/22/15</a:t>
             </a:fld>
             <a:endParaRPr lang="en-US"/>
           </a:p>
@@ -6123,7 +6124,7 @@
           <a:p>
             <a:r>
               <a:rPr lang="en-US" smtClean="0"/>
-              <a:t>Copyright © EV3Lessons.com 2015 (Last edit: 2/26/2015)</a:t>
+              <a:t>Copyright © EV3Lessons.com 2015 (Last edit: 9/22/2015)</a:t>
             </a:r>
             <a:endParaRPr lang="en-US" dirty="0"/>
           </a:p>
@@ -6293,11 +6294,11 @@
   <p:timing>
     <p:tnLst>
       <p:par>
-        <p:cTn id="1" dur="indefinite" restart="never" nodeType="tmRoot"/>
+        <p:cTn xmlns:p14="http://schemas.microsoft.com/office/powerpoint/2010/main" id="1" dur="indefinite" restart="never" nodeType="tmRoot"/>
       </p:par>
     </p:tnLst>
   </p:timing>
-  <p:hf hdr="0" dt="0"/>
+  <p:hf sldNum="0" hdr="0" dt="0"/>
   <p:txStyles>
     <p:titleStyle>
       <a:lvl1pPr algn="l" defTabSz="914400" rtl="0" eaLnBrk="1" latinLnBrk="0" hangingPunct="1">
@@ -6728,9 +6729,9 @@
             </a:lvl1pPr>
           </a:lstStyle>
           <a:p>
-            <a:fld id="{D889A880-9C41-474C-89CB-FEF116EF758F}" type="datetime1">
-              <a:rPr lang="en-US" smtClean="0"/>
-              <a:t>2/28/2015</a:t>
+            <a:fld id="{BBE75C5C-58CF-1943-9D9F-B2EA5B1BC003}" type="datetime1">
+              <a:rPr lang="en-US" smtClean="0"/>
+              <a:t>9/22/15</a:t>
             </a:fld>
             <a:endParaRPr lang="en-US"/>
           </a:p>
@@ -6771,7 +6772,7 @@
           <a:p>
             <a:r>
               <a:rPr lang="en-US" smtClean="0"/>
-              <a:t>Copyright © EV3Lessons.com 2015 (Last edit: 2/26/2015)</a:t>
+              <a:t>Copyright © EV3Lessons.com 2015 (Last edit: 9/22/2015)</a:t>
             </a:r>
             <a:endParaRPr lang="en-US"/>
           </a:p>
@@ -6839,7 +6840,7 @@
     <p:sldLayoutId id="2147483736" r:id="rId10"/>
     <p:sldLayoutId id="2147483737" r:id="rId11"/>
   </p:sldLayoutIdLst>
-  <p:hf hdr="0" dt="0"/>
+  <p:hf sldNum="0" hdr="0" dt="0"/>
   <p:txStyles>
     <p:titleStyle>
       <a:lvl1pPr algn="l" defTabSz="914400" rtl="0" eaLnBrk="1" latinLnBrk="0" hangingPunct="1">
@@ -7142,72 +7143,13 @@
       </p:grpSpPr>
       <p:sp>
         <p:nvSpPr>
-          <p:cNvPr id="7" name="TextBox 6"/>
-          <p:cNvSpPr txBox="1"/>
-          <p:nvPr/>
-        </p:nvSpPr>
-        <p:spPr>
-          <a:xfrm>
-            <a:off x="1487501" y="5949643"/>
-            <a:ext cx="4750545" cy="523220"/>
-          </a:xfrm>
-          <a:prstGeom prst="rect">
-            <a:avLst/>
-          </a:prstGeom>
-          <a:noFill/>
-        </p:spPr>
-        <p:txBody>
-          <a:bodyPr wrap="square" rtlCol="0">
-            <a:spAutoFit/>
-          </a:bodyPr>
-          <a:lstStyle/>
-          <a:p>
-            <a:r>
-              <a:rPr lang="en-US" sz="2800" dirty="0" smtClean="0"/>
-              <a:t>By: Droids Robotics</a:t>
-            </a:r>
-          </a:p>
-        </p:txBody>
-      </p:sp>
-      <p:pic>
-        <p:nvPicPr>
-          <p:cNvPr id="3" name="Picture 2" descr="Droidslogo2.png"/>
-          <p:cNvPicPr>
-            <a:picLocks noChangeAspect="1"/>
-          </p:cNvPicPr>
-          <p:nvPr/>
-        </p:nvPicPr>
-        <p:blipFill>
-          <a:blip r:embed="rId3">
-            <a:extLst>
-              <a:ext uri="{28A0092B-C50C-407E-A947-70E740481C1C}">
-                <a14:useLocalDpi xmlns:a14="http://schemas.microsoft.com/office/drawing/2010/main" val="0"/>
-              </a:ext>
-            </a:extLst>
-          </a:blip>
-          <a:stretch>
-            <a:fillRect/>
-          </a:stretch>
-        </p:blipFill>
-        <p:spPr>
-          <a:xfrm>
-            <a:off x="402306" y="5456830"/>
-            <a:ext cx="1085195" cy="1085195"/>
-          </a:xfrm>
-          <a:prstGeom prst="rect">
-            <a:avLst/>
-          </a:prstGeom>
-        </p:spPr>
-      </p:pic>
-      <p:sp>
-        <p:nvSpPr>
           <p:cNvPr id="4" name="TextBox 3"/>
           <p:cNvSpPr txBox="1"/>
           <p:nvPr/>
         </p:nvSpPr>
         <p:spPr>
           <a:xfrm>
-            <a:off x="2429468" y="2687449"/>
+            <a:off x="2030936" y="3510939"/>
             <a:ext cx="4927357" cy="523220"/>
           </a:xfrm>
           <a:prstGeom prst="rect">
@@ -7242,7 +7184,7 @@
           <p:nvPr/>
         </p:nvPicPr>
         <p:blipFill>
-          <a:blip r:embed="rId4">
+          <a:blip r:embed="rId3">
             <a:extLst>
               <a:ext uri="{28A0092B-C50C-407E-A947-70E740481C1C}">
                 <a14:useLocalDpi xmlns:a14="http://schemas.microsoft.com/office/drawing/2010/main" val="0"/>
@@ -7256,7 +7198,7 @@
         </p:blipFill>
         <p:spPr bwMode="auto">
           <a:xfrm>
-            <a:off x="2726595" y="855473"/>
+            <a:off x="2328063" y="1678963"/>
             <a:ext cx="4231698" cy="1571774"/>
           </a:xfrm>
           <a:prstGeom prst="rect">
@@ -7265,7 +7207,7 @@
           <a:noFill/>
           <a:extLst>
             <a:ext uri="{909E8E84-426E-40dd-AFC4-6F175D3DCCD1}">
-              <a14:hiddenFill xmlns:a14="http://schemas.microsoft.com/office/drawing/2010/main" xmlns="">
+              <a14:hiddenFill xmlns:a14="http://schemas.microsoft.com/office/drawing/2010/main">
                 <a:solidFill>
                   <a:srgbClr val="FFFFFF"/>
                 </a:solidFill>
@@ -7287,7 +7229,7 @@
   <p:timing>
     <p:tnLst>
       <p:par>
-        <p:cTn id="1" dur="indefinite" restart="never" nodeType="tmRoot"/>
+        <p:cTn xmlns:p14="http://schemas.microsoft.com/office/powerpoint/2010/main" id="1" dur="indefinite" restart="never" nodeType="tmRoot"/>
       </p:par>
     </p:tnLst>
   </p:timing>
@@ -7328,15 +7270,7 @@
           <a:p>
             <a:r>
               <a:rPr lang="en-US" dirty="0" smtClean="0"/>
-              <a:t>Is There </a:t>
-            </a:r>
-            <a:r>
-              <a:rPr lang="en-US" dirty="0" err="1" smtClean="0"/>
-              <a:t>aN</a:t>
-            </a:r>
-            <a:r>
-              <a:rPr lang="en-US" dirty="0" smtClean="0"/>
-              <a:t> ORDER To The Lessons?</a:t>
+              <a:t>OVERALL STRUCTURE</a:t>
             </a:r>
             <a:endParaRPr lang="en-US" dirty="0"/>
           </a:p>
@@ -7360,8 +7294,8 @@
           <a:lstStyle/>
           <a:p>
             <a:pPr marL="457200" indent="-457200">
-              <a:buFont typeface="+mj-lt"/>
-              <a:buAutoNum type="arabicPeriod"/>
+              <a:buFont typeface="Arial"/>
+              <a:buChar char="•"/>
             </a:pPr>
             <a:r>
               <a:rPr lang="en-US" u="sng" dirty="0" smtClean="0"/>
@@ -7378,8 +7312,8 @@
           </a:p>
           <a:p>
             <a:pPr marL="457200" indent="-457200">
-              <a:buFont typeface="+mj-lt"/>
-              <a:buAutoNum type="arabicPeriod"/>
+              <a:buFont typeface="Arial"/>
+              <a:buChar char="•"/>
             </a:pPr>
             <a:r>
               <a:rPr lang="en-US" u="sng" dirty="0"/>
@@ -7424,8 +7358,8 @@
           </a:p>
           <a:p>
             <a:pPr marL="457200" indent="-457200">
-              <a:buFont typeface="+mj-lt"/>
-              <a:buAutoNum type="arabicPeriod"/>
+              <a:buFont typeface="Arial"/>
+              <a:buChar char="•"/>
             </a:pPr>
             <a:r>
               <a:rPr lang="en-US" u="sng" dirty="0" smtClean="0"/>
@@ -7445,13 +7379,21 @@
             </a:r>
             <a:r>
               <a:rPr lang="en-US" b="0" dirty="0" smtClean="0"/>
-              <a:t>systems, proportional line followers, line alignment and stall detection techniques.</a:t>
+              <a:t>systems, proportional line followers, </a:t>
+            </a:r>
+            <a:r>
+              <a:rPr lang="en-US" b="0" dirty="0" smtClean="0"/>
+              <a:t>squaring on lines and </a:t>
+            </a:r>
+            <a:r>
+              <a:rPr lang="en-US" b="0" dirty="0" smtClean="0"/>
+              <a:t>stall detection techniques.</a:t>
             </a:r>
           </a:p>
           <a:p>
             <a:pPr marL="457200" indent="-457200">
-              <a:buFont typeface="+mj-lt"/>
-              <a:buAutoNum type="arabicPeriod"/>
+              <a:buFont typeface="Arial"/>
+              <a:buChar char="•"/>
             </a:pPr>
             <a:r>
               <a:rPr lang="en-US" b="0" dirty="0" smtClean="0"/>
@@ -7506,31 +7448,8 @@
           <a:p>
             <a:r>
               <a:rPr lang="en-US" smtClean="0"/>
-              <a:t>Copyright © EV3Lessons.com 2015 (Last edit: 2/26/2015)</a:t>
-            </a:r>
-            <a:endParaRPr lang="en-US"/>
-          </a:p>
-        </p:txBody>
-      </p:sp>
-      <p:sp>
-        <p:nvSpPr>
-          <p:cNvPr id="5" name="Slide Number Placeholder 4"/>
-          <p:cNvSpPr>
-            <a:spLocks noGrp="1"/>
-          </p:cNvSpPr>
-          <p:nvPr>
-            <p:ph type="sldNum" sz="quarter" idx="12"/>
-          </p:nvPr>
-        </p:nvSpPr>
-        <p:spPr/>
-        <p:txBody>
-          <a:bodyPr/>
-          <a:lstStyle/>
-          <a:p>
-            <a:fld id="{4DBC7FC8-25FB-FC45-8177-2B991DA6778C}" type="slidenum">
-              <a:rPr lang="en-US" smtClean="0"/>
-              <a:t>2</a:t>
-            </a:fld>
+              <a:t>Copyright © EV3Lessons.com 2015 (Last edit: 9/22/2015)</a:t>
+            </a:r>
             <a:endParaRPr lang="en-US"/>
           </a:p>
         </p:txBody>
@@ -7582,7 +7501,11 @@
           <a:p>
             <a:r>
               <a:rPr lang="en-US" dirty="0" smtClean="0"/>
-              <a:t>INDIVIDUAL Lesson Structure</a:t>
+              <a:t>Lesson </a:t>
+            </a:r>
+            <a:r>
+              <a:rPr lang="en-US" dirty="0" smtClean="0"/>
+              <a:t>Structure</a:t>
             </a:r>
             <a:endParaRPr lang="en-US" dirty="0"/>
           </a:p>
@@ -7609,7 +7532,11 @@
             </a:pPr>
             <a:r>
               <a:rPr lang="en-US" dirty="0" smtClean="0"/>
-              <a:t>Each lesson starts with a list of objectives and ends with a challenge</a:t>
+              <a:t>Each lesson starts with a list of objectives and ends with a </a:t>
+            </a:r>
+            <a:r>
+              <a:rPr lang="en-US" dirty="0" smtClean="0"/>
+              <a:t>challenge</a:t>
             </a:r>
           </a:p>
           <a:p>
@@ -7619,7 +7546,27 @@
             </a:pPr>
             <a:r>
               <a:rPr lang="en-US" dirty="0" smtClean="0"/>
-              <a:t>A discussion guide is included after the challenge that will help understand the main objectives</a:t>
+              <a:t>In most lessons, we</a:t>
+            </a:r>
+            <a:r>
+              <a:rPr lang="en-US" dirty="0" smtClean="0"/>
+              <a:t> provide hints in the form of </a:t>
+            </a:r>
+            <a:r>
+              <a:rPr lang="en-US" dirty="0" err="1" smtClean="0"/>
+              <a:t>Pseudocode</a:t>
+            </a:r>
+            <a:r>
+              <a:rPr lang="en-US" dirty="0" smtClean="0"/>
+              <a:t>.  Students who need a hint should look at the </a:t>
+            </a:r>
+            <a:r>
+              <a:rPr lang="en-US" dirty="0" err="1" smtClean="0"/>
+              <a:t>Pseudocode</a:t>
+            </a:r>
+            <a:r>
+              <a:rPr lang="en-US" dirty="0" smtClean="0"/>
+              <a:t>.</a:t>
             </a:r>
           </a:p>
           <a:p>
@@ -7629,15 +7576,34 @@
             </a:pPr>
             <a:r>
               <a:rPr lang="en-US" dirty="0" smtClean="0"/>
-              <a:t>Many lessons have companion worksheets for students.  More will be added over time.</a:t>
-            </a:r>
-          </a:p>
-          <a:p>
-            <a:pPr marL="342900" indent="-342900">
-              <a:buFont typeface="Arial" panose="020B0604020202020204" pitchFamily="34" charset="0"/>
-              <a:buChar char="•"/>
+              <a:t>We provide a challenge solution as well (both as a screenshot as well as in EV3 Code)</a:t>
+            </a:r>
+            <a:endParaRPr lang="en-US" dirty="0" smtClean="0"/>
+          </a:p>
+          <a:p>
+            <a:pPr marL="457200" indent="-457200">
+              <a:buFont typeface="+mj-lt"/>
+              <a:buAutoNum type="arabicPeriod"/>
             </a:pPr>
-            <a:endParaRPr lang="en-US" dirty="0"/>
+            <a:r>
+              <a:rPr lang="en-US" dirty="0" smtClean="0"/>
+              <a:t>A discussion guide is included after the challenge that will help understand the main objectives</a:t>
+            </a:r>
+          </a:p>
+          <a:p>
+            <a:pPr marL="457200" indent="-457200">
+              <a:buFont typeface="+mj-lt"/>
+              <a:buAutoNum type="arabicPeriod"/>
+            </a:pPr>
+            <a:r>
+              <a:rPr lang="en-US" dirty="0" smtClean="0"/>
+              <a:t>Many lessons have companion worksheets for students.  More will be added over time</a:t>
+            </a:r>
+            <a:r>
+              <a:rPr lang="en-US" dirty="0" smtClean="0"/>
+              <a:t>.</a:t>
+            </a:r>
+            <a:endParaRPr lang="en-US" dirty="0" smtClean="0"/>
           </a:p>
         </p:txBody>
       </p:sp>
@@ -7658,31 +7624,8 @@
           <a:p>
             <a:r>
               <a:rPr lang="en-US" smtClean="0"/>
-              <a:t>Copyright © EV3Lessons.com 2015 (Last edit: 2/26/2015)</a:t>
-            </a:r>
-            <a:endParaRPr lang="en-US"/>
-          </a:p>
-        </p:txBody>
-      </p:sp>
-      <p:sp>
-        <p:nvSpPr>
-          <p:cNvPr id="5" name="Slide Number Placeholder 4"/>
-          <p:cNvSpPr>
-            <a:spLocks noGrp="1"/>
-          </p:cNvSpPr>
-          <p:nvPr>
-            <p:ph type="sldNum" sz="quarter" idx="12"/>
-          </p:nvPr>
-        </p:nvSpPr>
-        <p:spPr/>
-        <p:txBody>
-          <a:bodyPr/>
-          <a:lstStyle/>
-          <a:p>
-            <a:fld id="{4DBC7FC8-25FB-FC45-8177-2B991DA6778C}" type="slidenum">
-              <a:rPr lang="en-US" smtClean="0"/>
-              <a:t>3</a:t>
-            </a:fld>
+              <a:t>Copyright © EV3Lessons.com 2015 (Last edit: 9/22/2015)</a:t>
+            </a:r>
             <a:endParaRPr lang="en-US"/>
           </a:p>
         </p:txBody>
@@ -7734,23 +7677,7 @@
           <a:p>
             <a:r>
               <a:rPr lang="en-US" dirty="0" smtClean="0"/>
-              <a:t>Available Topics </a:t>
-            </a:r>
-            <a:r>
-              <a:rPr lang="en-US" dirty="0" smtClean="0"/>
-              <a:t>(</a:t>
-            </a:r>
-            <a:r>
-              <a:rPr lang="en-US" dirty="0" smtClean="0"/>
-              <a:t>AS OF</a:t>
-            </a:r>
-            <a:r>
-              <a:rPr lang="en-US" dirty="0" smtClean="0"/>
-              <a:t> </a:t>
-            </a:r>
-            <a:r>
-              <a:rPr lang="en-US" dirty="0" smtClean="0"/>
-              <a:t>March 1, 2015)</a:t>
+              <a:t>PROGRAMMING LESSONS</a:t>
             </a:r>
             <a:endParaRPr lang="en-US" dirty="0"/>
           </a:p>
@@ -7766,27 +7693,27 @@
             <p:ph idx="1"/>
             <p:extLst>
               <p:ext uri="{D42A27DB-BD31-4B8C-83A1-F6EECF244321}">
-                <p14:modId xmlns:p14="http://schemas.microsoft.com/office/powerpoint/2010/main" val="1656037423"/>
+                <p14:modId xmlns:p14="http://schemas.microsoft.com/office/powerpoint/2010/main" val="3983457710"/>
               </p:ext>
             </p:extLst>
           </p:nvPr>
         </p:nvGraphicFramePr>
         <p:xfrm>
-          <a:off x="457200" y="1752600"/>
-          <a:ext cx="8245476" cy="4419600"/>
+          <a:off x="378639" y="1021335"/>
+          <a:ext cx="8245476" cy="5462801"/>
         </p:xfrm>
         <a:graphic>
           <a:graphicData uri="http://schemas.openxmlformats.org/drawingml/2006/table">
             <a:tbl>
               <a:tblPr firstRow="1" bandRow="1">
-                <a:tableStyleId>{21E4AEA4-8DFA-4A89-87EB-49C32662AFE0}</a:tableStyleId>
+                <a:tableStyleId>{69CF1AB2-1976-4502-BF36-3FF5EA218861}</a:tableStyleId>
               </a:tblPr>
               <a:tblGrid>
                 <a:gridCol w="2748492"/>
                 <a:gridCol w="2748492"/>
                 <a:gridCol w="2748492"/>
               </a:tblGrid>
-              <a:tr h="370840">
+              <a:tr h="1741506">
                 <a:tc>
                   <a:txBody>
                     <a:bodyPr/>
@@ -7794,32 +7721,24 @@
                     <a:p>
                       <a:pPr algn="ctr"/>
                       <a:r>
-                        <a:rPr lang="en-US" dirty="0" smtClean="0">
-                          <a:solidFill>
-                            <a:schemeClr val="tx1"/>
-                          </a:solidFill>
-                        </a:rPr>
+                        <a:rPr lang="en-US" sz="1600" dirty="0" smtClean="0"/>
                         <a:t>Beginner</a:t>
                       </a:r>
-                    </a:p>
-                    <a:p>
-                      <a:pPr algn="ctr"/>
-                      <a:r>
-                        <a:rPr lang="en-US" dirty="0" smtClean="0">
-                          <a:solidFill>
-                            <a:schemeClr val="tx1"/>
-                          </a:solidFill>
-                        </a:rPr>
-                        <a:t>(in recommended order)</a:t>
-                      </a:r>
-                      <a:endParaRPr lang="en-US" dirty="0">
+                      <a:endParaRPr lang="en-US" sz="1600" dirty="0" smtClean="0">
                         <a:solidFill>
                           <a:schemeClr val="tx1"/>
                         </a:solidFill>
                       </a:endParaRPr>
                     </a:p>
                   </a:txBody>
-                  <a:tcPr/>
+                  <a:tcPr>
+                    <a:solidFill>
+                      <a:schemeClr val="bg2">
+                        <a:lumMod val="60000"/>
+                        <a:lumOff val="40000"/>
+                      </a:schemeClr>
+                    </a:solidFill>
+                  </a:tcPr>
                 </a:tc>
                 <a:tc>
                   <a:txBody>
@@ -7828,21 +7747,24 @@
                     <a:p>
                       <a:pPr algn="ctr"/>
                       <a:r>
-                        <a:rPr lang="en-US" dirty="0" smtClean="0">
-                          <a:solidFill>
-                            <a:schemeClr val="tx1"/>
-                          </a:solidFill>
-                        </a:rPr>
+                        <a:rPr lang="en-US" sz="1600" dirty="0" smtClean="0"/>
                         <a:t>Intermediate</a:t>
                       </a:r>
-                      <a:endParaRPr lang="en-US" dirty="0">
+                      <a:endParaRPr lang="en-US" sz="1600" dirty="0">
                         <a:solidFill>
                           <a:schemeClr val="tx1"/>
                         </a:solidFill>
                       </a:endParaRPr>
                     </a:p>
                   </a:txBody>
-                  <a:tcPr/>
+                  <a:tcPr>
+                    <a:solidFill>
+                      <a:schemeClr val="bg2">
+                        <a:lumMod val="60000"/>
+                        <a:lumOff val="40000"/>
+                      </a:schemeClr>
+                    </a:solidFill>
+                  </a:tcPr>
                 </a:tc>
                 <a:tc>
                   <a:txBody>
@@ -7851,24 +7773,27 @@
                     <a:p>
                       <a:pPr algn="ctr"/>
                       <a:r>
-                        <a:rPr lang="en-US" dirty="0" smtClean="0">
-                          <a:solidFill>
-                            <a:schemeClr val="tx1"/>
-                          </a:solidFill>
-                        </a:rPr>
+                        <a:rPr lang="en-US" sz="1600" dirty="0" smtClean="0"/>
                         <a:t>Advanced</a:t>
                       </a:r>
-                      <a:endParaRPr lang="en-US" dirty="0">
+                      <a:endParaRPr lang="en-US" sz="1600" dirty="0">
                         <a:solidFill>
                           <a:schemeClr val="tx1"/>
                         </a:solidFill>
                       </a:endParaRPr>
                     </a:p>
                   </a:txBody>
-                  <a:tcPr/>
+                  <a:tcPr>
+                    <a:solidFill>
+                      <a:schemeClr val="bg2">
+                        <a:lumMod val="60000"/>
+                        <a:lumOff val="40000"/>
+                      </a:schemeClr>
+                    </a:solidFill>
+                  </a:tcPr>
                 </a:tc>
               </a:tr>
-              <a:tr h="370840">
+              <a:tr h="3721295">
                 <a:tc>
                   <a:txBody>
                     <a:bodyPr/>
@@ -7879,8 +7804,8 @@
                         <a:buChar char="•"/>
                       </a:pPr>
                       <a:r>
-                        <a:rPr lang="en-US" sz="1600" dirty="0" smtClean="0"/>
-                        <a:t>Introduction to Brick/Software</a:t>
+                        <a:rPr lang="en-US" sz="1400" dirty="0" smtClean="0"/>
+                        <a:t>Build a Base Robot</a:t>
                       </a:r>
                     </a:p>
                     <a:p>
@@ -7889,14 +7814,13 @@
                         <a:buChar char="•"/>
                       </a:pPr>
                       <a:r>
-                        <a:rPr lang="en-US" sz="1600" dirty="0" smtClean="0"/>
-                        <a:t>Moving</a:t>
+                        <a:rPr lang="en-US" sz="1400" dirty="0" smtClean="0"/>
+                        <a:t>Introduction </a:t>
                       </a:r>
                       <a:r>
-                        <a:rPr lang="en-US" sz="1600" baseline="0" dirty="0" smtClean="0"/>
-                        <a:t> Straight</a:t>
+                        <a:rPr lang="en-US" sz="1400" dirty="0" smtClean="0"/>
+                        <a:t>to Brick/Software</a:t>
                       </a:r>
-                      <a:endParaRPr lang="en-US" sz="1600" baseline="0" dirty="0" smtClean="0"/>
                     </a:p>
                     <a:p>
                       <a:pPr marL="285750" indent="-285750">
@@ -7904,7 +7828,36 @@
                         <a:buChar char="•"/>
                       </a:pPr>
                       <a:r>
-                        <a:rPr lang="en-US" sz="1600" baseline="0" dirty="0" smtClean="0"/>
+                        <a:rPr lang="en-US" sz="1400" dirty="0" smtClean="0"/>
+                        <a:t>Moving</a:t>
+                      </a:r>
+                      <a:r>
+                        <a:rPr lang="en-US" sz="1400" baseline="0" dirty="0" smtClean="0"/>
+                        <a:t> </a:t>
+                      </a:r>
+                      <a:r>
+                        <a:rPr lang="en-US" sz="1400" baseline="0" dirty="0" smtClean="0"/>
+                        <a:t>Straight</a:t>
+                      </a:r>
+                    </a:p>
+                    <a:p>
+                      <a:pPr marL="285750" indent="-285750">
+                        <a:buFont typeface="Arial"/>
+                        <a:buChar char="•"/>
+                      </a:pPr>
+                      <a:r>
+                        <a:rPr lang="en-US" sz="1400" baseline="0" dirty="0" err="1" smtClean="0"/>
+                        <a:t>Pseudocode</a:t>
+                      </a:r>
+                      <a:endParaRPr lang="en-US" sz="1400" baseline="0" dirty="0" smtClean="0"/>
+                    </a:p>
+                    <a:p>
+                      <a:pPr marL="285750" indent="-285750">
+                        <a:buFont typeface="Arial"/>
+                        <a:buChar char="•"/>
+                      </a:pPr>
+                      <a:r>
+                        <a:rPr lang="en-US" sz="1400" baseline="0" dirty="0" smtClean="0"/>
                         <a:t>Turning</a:t>
                       </a:r>
                     </a:p>
@@ -7914,10 +7867,9 @@
                         <a:buChar char="•"/>
                       </a:pPr>
                       <a:r>
-                        <a:rPr lang="en-US" sz="1600" baseline="0" dirty="0" smtClean="0"/>
+                        <a:rPr lang="en-US" sz="1400" baseline="0" dirty="0" smtClean="0"/>
                         <a:t>Displaying Text and Graphics</a:t>
                       </a:r>
-                      <a:endParaRPr lang="en-US" sz="1600" baseline="0" dirty="0" smtClean="0"/>
                     </a:p>
                     <a:p>
                       <a:pPr marL="285750" indent="-285750">
@@ -7925,7 +7877,7 @@
                         <a:buChar char="•"/>
                       </a:pPr>
                       <a:r>
-                        <a:rPr lang="en-US" sz="1600" baseline="0" dirty="0" smtClean="0"/>
+                        <a:rPr lang="en-US" sz="1400" baseline="0" dirty="0" smtClean="0"/>
                         <a:t>Touch Sensor</a:t>
                       </a:r>
                     </a:p>
@@ -7935,7 +7887,7 @@
                         <a:buChar char="•"/>
                       </a:pPr>
                       <a:r>
-                        <a:rPr lang="en-US" sz="1600" baseline="0" dirty="0" smtClean="0"/>
+                        <a:rPr lang="en-US" sz="1400" baseline="0" dirty="0" smtClean="0"/>
                         <a:t>Color Sensor</a:t>
                       </a:r>
                     </a:p>
@@ -7945,7 +7897,7 @@
                         <a:buChar char="•"/>
                       </a:pPr>
                       <a:r>
-                        <a:rPr lang="en-US" sz="1600" baseline="0" dirty="0" smtClean="0"/>
+                        <a:rPr lang="en-US" sz="1400" baseline="0" dirty="0" smtClean="0"/>
                         <a:t>Loops</a:t>
                       </a:r>
                     </a:p>
@@ -7955,7 +7907,7 @@
                         <a:buChar char="•"/>
                       </a:pPr>
                       <a:r>
-                        <a:rPr lang="en-US" sz="1600" baseline="0" dirty="0" smtClean="0"/>
+                        <a:rPr lang="en-US" sz="1400" baseline="0" dirty="0" smtClean="0"/>
                         <a:t>Switches</a:t>
                       </a:r>
                     </a:p>
@@ -7965,7 +7917,7 @@
                         <a:buChar char="•"/>
                       </a:pPr>
                       <a:r>
-                        <a:rPr lang="en-US" sz="1600" baseline="0" dirty="0" smtClean="0"/>
+                        <a:rPr lang="en-US" sz="1400" baseline="0" dirty="0" smtClean="0"/>
                         <a:t>Ultrasonic Sensor</a:t>
                       </a:r>
                     </a:p>
@@ -7975,23 +7927,8 @@
                         <a:buChar char="•"/>
                       </a:pPr>
                       <a:r>
-                        <a:rPr lang="en-US" sz="1600" baseline="0" dirty="0" smtClean="0"/>
+                        <a:rPr lang="en-US" sz="1400" baseline="0" dirty="0" smtClean="0"/>
                         <a:t>Basic Line Follower</a:t>
-                      </a:r>
-                      <a:endParaRPr lang="en-US" sz="1600" baseline="0" dirty="0" smtClean="0"/>
-                    </a:p>
-                    <a:p>
-                      <a:pPr marL="285750" indent="-285750">
-                        <a:buFont typeface="Arial"/>
-                        <a:buChar char="•"/>
-                      </a:pPr>
-                      <a:r>
-                        <a:rPr lang="en-US" sz="1600" baseline="0" dirty="0" smtClean="0"/>
-                        <a:t>Basic </a:t>
-                      </a:r>
-                      <a:r>
-                        <a:rPr lang="en-US" sz="1600" baseline="0" dirty="0" smtClean="0"/>
-                        <a:t>Sequencer</a:t>
                       </a:r>
                     </a:p>
                     <a:p>
@@ -8000,13 +7937,26 @@
                         <a:buChar char="•"/>
                       </a:pPr>
                       <a:r>
-                        <a:rPr lang="en-US" sz="1600" baseline="0" dirty="0" smtClean="0"/>
+                        <a:rPr lang="en-US" sz="1400" baseline="0" dirty="0" smtClean="0"/>
+                        <a:t>Basic Sequencer</a:t>
+                      </a:r>
+                    </a:p>
+                    <a:p>
+                      <a:pPr marL="285750" indent="-285750">
+                        <a:buFont typeface="Arial"/>
+                        <a:buChar char="•"/>
+                      </a:pPr>
+                      <a:r>
+                        <a:rPr lang="en-US" sz="1400" baseline="0" dirty="0" smtClean="0"/>
                         <a:t>Final Challenge</a:t>
                       </a:r>
-                      <a:endParaRPr lang="en-US" sz="1600" baseline="0" dirty="0" smtClean="0"/>
                     </a:p>
                   </a:txBody>
-                  <a:tcPr/>
+                  <a:tcPr>
+                    <a:solidFill>
+                      <a:srgbClr val="FFFFFF"/>
+                    </a:solidFill>
+                  </a:tcPr>
                 </a:tc>
                 <a:tc>
                   <a:txBody>
@@ -8018,12 +7968,8 @@
                         <a:buChar char="•"/>
                       </a:pPr>
                       <a:r>
-                        <a:rPr lang="en-US" sz="1600" dirty="0" smtClean="0"/>
-                        <a:t>My </a:t>
-                      </a:r>
-                      <a:r>
-                        <a:rPr lang="en-US" sz="1600" dirty="0" smtClean="0"/>
-                        <a:t>Blocks with Inputs and Outputs</a:t>
+                        <a:rPr lang="en-US" sz="1400" dirty="0" smtClean="0"/>
+                        <a:t>My Blocks with Inputs and Outputs</a:t>
                       </a:r>
                     </a:p>
                     <a:p>
@@ -8032,11 +7978,11 @@
                         <a:buChar char="•"/>
                       </a:pPr>
                       <a:r>
-                        <a:rPr lang="en-US" sz="1600" dirty="0" smtClean="0"/>
+                        <a:rPr lang="en-US" sz="1400" dirty="0" smtClean="0"/>
                         <a:t>Moving</a:t>
                       </a:r>
                       <a:r>
-                        <a:rPr lang="en-US" sz="1600" baseline="0" dirty="0" smtClean="0"/>
+                        <a:rPr lang="en-US" sz="1400" baseline="0" dirty="0" smtClean="0"/>
                         <a:t> with My Blocks</a:t>
                       </a:r>
                     </a:p>
@@ -8046,10 +7992,10 @@
                         <a:buChar char="•"/>
                       </a:pPr>
                       <a:r>
-                        <a:rPr lang="en-US" sz="1600" baseline="0" dirty="0" smtClean="0"/>
+                        <a:rPr lang="en-US" sz="1400" baseline="0" dirty="0" smtClean="0"/>
                         <a:t>Turning with My Blocks</a:t>
                       </a:r>
-                      <a:endParaRPr lang="en-US" sz="1600" dirty="0" smtClean="0"/>
+                      <a:endParaRPr lang="en-US" sz="1400" dirty="0" smtClean="0"/>
                     </a:p>
                     <a:p>
                       <a:pPr marL="285750" indent="-285750">
@@ -8057,20 +8003,20 @@
                         <a:buChar char="•"/>
                       </a:pPr>
                       <a:r>
-                        <a:rPr lang="en-US" sz="1600" dirty="0" smtClean="0"/>
+                        <a:rPr lang="en-US" sz="1400" dirty="0" smtClean="0"/>
                         <a:t>Color</a:t>
                       </a:r>
                       <a:r>
-                        <a:rPr lang="en-US" sz="1600" baseline="0" dirty="0" smtClean="0"/>
+                        <a:rPr lang="en-US" sz="1400" baseline="0" dirty="0" smtClean="0"/>
                         <a:t> Line </a:t>
                       </a:r>
                       <a:r>
-                        <a:rPr lang="en-US" sz="1600" dirty="0" smtClean="0"/>
-                        <a:t>Follower </a:t>
+                        <a:rPr lang="en-US" sz="1400" dirty="0" smtClean="0"/>
+                        <a:t>Follower with My </a:t>
                       </a:r>
                       <a:r>
-                        <a:rPr lang="en-US" sz="1600" dirty="0" smtClean="0"/>
-                        <a:t>with My Blocks</a:t>
+                        <a:rPr lang="en-US" sz="1400" dirty="0" smtClean="0"/>
+                        <a:t>Blocks</a:t>
                       </a:r>
                     </a:p>
                     <a:p>
@@ -8079,7 +8025,22 @@
                         <a:buChar char="•"/>
                       </a:pPr>
                       <a:r>
-                        <a:rPr lang="en-US" sz="1600" dirty="0" smtClean="0"/>
+                        <a:rPr lang="en-US" sz="1400" dirty="0" smtClean="0"/>
+                        <a:t>Infrared</a:t>
+                      </a:r>
+                      <a:r>
+                        <a:rPr lang="en-US" sz="1400" baseline="0" dirty="0" smtClean="0"/>
+                        <a:t> Sensor</a:t>
+                      </a:r>
+                      <a:endParaRPr lang="en-US" sz="1400" dirty="0" smtClean="0"/>
+                    </a:p>
+                    <a:p>
+                      <a:pPr marL="285750" indent="-285750">
+                        <a:buFont typeface="Arial"/>
+                        <a:buChar char="•"/>
+                      </a:pPr>
+                      <a:r>
+                        <a:rPr lang="en-US" sz="1400" dirty="0" smtClean="0"/>
                         <a:t>Debugging</a:t>
                       </a:r>
                     </a:p>
@@ -8089,11 +8050,11 @@
                         <a:buChar char="•"/>
                       </a:pPr>
                       <a:r>
-                        <a:rPr lang="en-US" sz="1600" dirty="0" smtClean="0"/>
+                        <a:rPr lang="en-US" sz="1400" dirty="0" smtClean="0"/>
                         <a:t>Move</a:t>
                       </a:r>
                       <a:r>
-                        <a:rPr lang="en-US" sz="1600" baseline="0" dirty="0" smtClean="0"/>
+                        <a:rPr lang="en-US" sz="1400" baseline="0" dirty="0" smtClean="0"/>
                         <a:t> Blocks</a:t>
                       </a:r>
                     </a:p>
@@ -8103,7 +8064,7 @@
                         <a:buChar char="•"/>
                       </a:pPr>
                       <a:r>
-                        <a:rPr lang="en-US" sz="1600" baseline="0" dirty="0" smtClean="0"/>
+                        <a:rPr lang="en-US" sz="1400" baseline="0" dirty="0" smtClean="0"/>
                         <a:t>Reliability</a:t>
                       </a:r>
                     </a:p>
@@ -8113,7 +8074,7 @@
                         <a:buChar char="•"/>
                       </a:pPr>
                       <a:r>
-                        <a:rPr lang="en-US" sz="1600" baseline="0" dirty="0" smtClean="0"/>
+                        <a:rPr lang="en-US" sz="1400" baseline="0" dirty="0" smtClean="0"/>
                         <a:t>Intermediate Menu System</a:t>
                       </a:r>
                     </a:p>
@@ -8123,8 +8084,12 @@
                         <a:buChar char="•"/>
                       </a:pPr>
                       <a:r>
-                        <a:rPr lang="en-US" sz="1600" baseline="0" dirty="0" smtClean="0"/>
-                        <a:t>Color Sensor Calibration</a:t>
+                        <a:rPr lang="en-US" sz="1400" baseline="0" dirty="0" smtClean="0"/>
+                        <a:t>Color Sensor </a:t>
+                      </a:r>
+                      <a:r>
+                        <a:rPr lang="en-US" sz="1400" baseline="0" dirty="0" smtClean="0"/>
+                        <a:t>Calibration</a:t>
                       </a:r>
                     </a:p>
                     <a:p>
@@ -8133,7 +8098,18 @@
                         <a:buChar char="•"/>
                       </a:pPr>
                       <a:r>
-                        <a:rPr lang="en-US" sz="1600" baseline="0" dirty="0" smtClean="0"/>
+                        <a:rPr lang="en-US" sz="1400" baseline="0" dirty="0" smtClean="0"/>
+                        <a:t>Variables</a:t>
+                      </a:r>
+                      <a:endParaRPr lang="en-US" sz="1400" baseline="0" dirty="0" smtClean="0"/>
+                    </a:p>
+                    <a:p>
+                      <a:pPr marL="285750" indent="-285750">
+                        <a:buFont typeface="Arial"/>
+                        <a:buChar char="•"/>
+                      </a:pPr>
+                      <a:r>
+                        <a:rPr lang="en-US" sz="1400" baseline="0" dirty="0" smtClean="0"/>
                         <a:t>Parallel Beams</a:t>
                       </a:r>
                     </a:p>
@@ -8142,10 +8118,14 @@
                         <a:buFont typeface="Arial"/>
                         <a:buNone/>
                       </a:pPr>
-                      <a:endParaRPr lang="en-US" sz="1600" dirty="0"/>
+                      <a:endParaRPr lang="en-US" sz="1400" dirty="0"/>
                     </a:p>
                   </a:txBody>
-                  <a:tcPr/>
+                  <a:tcPr>
+                    <a:solidFill>
+                      <a:srgbClr val="FFFFFF"/>
+                    </a:solidFill>
+                  </a:tcPr>
                 </a:tc>
                 <a:tc>
                   <a:txBody>
@@ -8157,12 +8137,16 @@
                         <a:buChar char="•"/>
                       </a:pPr>
                       <a:r>
-                        <a:rPr lang="en-US" sz="1600" dirty="0" smtClean="0"/>
+                        <a:rPr lang="en-US" sz="1400" dirty="0" smtClean="0"/>
                         <a:t>Parallel</a:t>
                       </a:r>
                       <a:r>
-                        <a:rPr lang="en-US" sz="1600" baseline="0" dirty="0" smtClean="0"/>
-                        <a:t> Beams Sync</a:t>
+                        <a:rPr lang="en-US" sz="1400" baseline="0" dirty="0" smtClean="0"/>
+                        <a:t> Beams </a:t>
+                      </a:r>
+                      <a:r>
+                        <a:rPr lang="en-US" sz="1400" baseline="0" dirty="0" smtClean="0"/>
+                        <a:t>Sync</a:t>
                       </a:r>
                     </a:p>
                     <a:p>
@@ -8171,7 +8155,18 @@
                         <a:buChar char="•"/>
                       </a:pPr>
                       <a:r>
-                        <a:rPr lang="en-US" sz="1600" baseline="0" dirty="0" smtClean="0"/>
+                        <a:rPr lang="en-US" sz="1400" baseline="0" dirty="0" smtClean="0"/>
+                        <a:t>Arrays</a:t>
+                      </a:r>
+                      <a:endParaRPr lang="en-US" sz="1400" baseline="0" dirty="0" smtClean="0"/>
+                    </a:p>
+                    <a:p>
+                      <a:pPr marL="285750" indent="-285750">
+                        <a:buFont typeface="Arial"/>
+                        <a:buChar char="•"/>
+                      </a:pPr>
+                      <a:r>
+                        <a:rPr lang="en-US" sz="1400" baseline="0" dirty="0" smtClean="0"/>
                         <a:t>Proportional Control</a:t>
                       </a:r>
                     </a:p>
@@ -8181,8 +8176,12 @@
                         <a:buChar char="•"/>
                       </a:pPr>
                       <a:r>
-                        <a:rPr lang="en-US" sz="1600" baseline="0" dirty="0" smtClean="0"/>
-                        <a:t>Proportional Line Follower</a:t>
+                        <a:rPr lang="en-US" sz="1400" baseline="0" dirty="0" smtClean="0"/>
+                        <a:t>Proportional Line </a:t>
+                      </a:r>
+                      <a:r>
+                        <a:rPr lang="en-US" sz="1400" baseline="0" dirty="0" smtClean="0"/>
+                        <a:t>Follower</a:t>
                       </a:r>
                     </a:p>
                     <a:p>
@@ -8191,10 +8190,9 @@
                         <a:buChar char="•"/>
                       </a:pPr>
                       <a:r>
-                        <a:rPr lang="en-US" sz="1600" baseline="0" dirty="0" smtClean="0"/>
-                        <a:t>Gyro</a:t>
+                        <a:rPr lang="en-US" sz="1400" baseline="0" dirty="0" smtClean="0"/>
+                        <a:t>Proportional 2 Color Line Follower</a:t>
                       </a:r>
-                      <a:endParaRPr lang="en-US" sz="1600" baseline="0" dirty="0" smtClean="0"/>
                     </a:p>
                     <a:p>
                       <a:pPr marL="285750" indent="-285750">
@@ -8202,10 +8200,10 @@
                         <a:buChar char="•"/>
                       </a:pPr>
                       <a:r>
-                        <a:rPr lang="en-US" sz="1600" baseline="0" dirty="0" smtClean="0"/>
-                        <a:t>Gyro Turns</a:t>
+                        <a:rPr lang="en-US" sz="1400" baseline="0" dirty="0" smtClean="0"/>
+                        <a:t>Ramping Up</a:t>
                       </a:r>
-                      <a:endParaRPr lang="en-US" sz="1600" baseline="0" dirty="0" smtClean="0"/>
+                      <a:endParaRPr lang="en-US" sz="1400" baseline="0" dirty="0" smtClean="0"/>
                     </a:p>
                     <a:p>
                       <a:pPr marL="285750" indent="-285750">
@@ -8213,7 +8211,57 @@
                         <a:buChar char="•"/>
                       </a:pPr>
                       <a:r>
-                        <a:rPr lang="en-US" sz="1600" baseline="0" dirty="0" smtClean="0"/>
+                        <a:rPr lang="en-US" sz="1400" baseline="0" dirty="0" smtClean="0"/>
+                        <a:t>Gyro Sensor</a:t>
+                      </a:r>
+                      <a:endParaRPr lang="en-US" sz="1400" baseline="0" dirty="0" smtClean="0"/>
+                    </a:p>
+                    <a:p>
+                      <a:pPr marL="285750" indent="-285750">
+                        <a:buFont typeface="Arial"/>
+                        <a:buChar char="•"/>
+                      </a:pPr>
+                      <a:r>
+                        <a:rPr lang="en-US" sz="1400" baseline="0" dirty="0" smtClean="0"/>
+                        <a:t>Gyro </a:t>
+                      </a:r>
+                      <a:r>
+                        <a:rPr lang="en-US" sz="1400" baseline="0" dirty="0" smtClean="0"/>
+                        <a:t>Sensor Turns</a:t>
+                      </a:r>
+                      <a:endParaRPr lang="en-US" sz="1400" baseline="0" dirty="0" smtClean="0"/>
+                    </a:p>
+                    <a:p>
+                      <a:pPr marL="285750" indent="-285750">
+                        <a:buFont typeface="Arial"/>
+                        <a:buChar char="•"/>
+                      </a:pPr>
+                      <a:r>
+                        <a:rPr lang="en-US" sz="1400" baseline="0" dirty="0" smtClean="0"/>
+                        <a:t>Squaring on </a:t>
+                      </a:r>
+                      <a:r>
+                        <a:rPr lang="en-US" sz="1400" baseline="0" dirty="0" smtClean="0"/>
+                        <a:t>Lines</a:t>
+                      </a:r>
+                    </a:p>
+                    <a:p>
+                      <a:pPr marL="285750" indent="-285750">
+                        <a:buFont typeface="Arial"/>
+                        <a:buChar char="•"/>
+                      </a:pPr>
+                      <a:r>
+                        <a:rPr lang="en-US" sz="1400" baseline="0" dirty="0" smtClean="0"/>
+                        <a:t>Gyro Sensor: Move Straight and Wall Follow</a:t>
+                      </a:r>
+                    </a:p>
+                    <a:p>
+                      <a:pPr marL="285750" indent="-285750">
+                        <a:buFont typeface="Arial"/>
+                        <a:buChar char="•"/>
+                      </a:pPr>
+                      <a:r>
+                        <a:rPr lang="en-US" sz="1400" baseline="0" dirty="0" smtClean="0"/>
                         <a:t>Squaring on Lines</a:t>
                       </a:r>
                     </a:p>
@@ -8223,8 +8271,12 @@
                         <a:buChar char="•"/>
                       </a:pPr>
                       <a:r>
-                        <a:rPr lang="en-US" sz="1600" baseline="0" dirty="0" smtClean="0"/>
-                        <a:t>Alternative Squaring</a:t>
+                        <a:rPr lang="en-US" sz="1400" baseline="0" dirty="0" smtClean="0"/>
+                        <a:t>Stall </a:t>
+                      </a:r>
+                      <a:r>
+                        <a:rPr lang="en-US" sz="1400" baseline="0" dirty="0" smtClean="0"/>
+                        <a:t>Detection</a:t>
                       </a:r>
                     </a:p>
                     <a:p>
@@ -8233,33 +8285,21 @@
                         <a:buChar char="•"/>
                       </a:pPr>
                       <a:r>
-                        <a:rPr lang="en-US" sz="1600" baseline="0" dirty="0" smtClean="0"/>
-                        <a:t>Stall Detection</a:t>
+                        <a:rPr lang="en-US" sz="1400" baseline="0" dirty="0" smtClean="0"/>
+                        <a:t>Menu </a:t>
                       </a:r>
-                    </a:p>
-                    <a:p>
-                      <a:pPr marL="285750" indent="-285750">
-                        <a:buFont typeface="Arial"/>
-                        <a:buChar char="•"/>
-                      </a:pPr>
                       <a:r>
-                        <a:rPr lang="en-US" sz="1600" baseline="0" dirty="0" smtClean="0"/>
-                        <a:t>Menu System</a:t>
+                        <a:rPr lang="en-US" sz="1400" baseline="0" dirty="0" smtClean="0"/>
+                        <a:t>System</a:t>
                       </a:r>
-                    </a:p>
-                    <a:p>
-                      <a:pPr marL="285750" indent="-285750">
-                        <a:buFont typeface="Arial"/>
-                        <a:buChar char="•"/>
-                      </a:pPr>
-                      <a:r>
-                        <a:rPr lang="en-US" sz="1600" baseline="0" dirty="0" smtClean="0"/>
-                        <a:t>NXT Light Sensors in EV3</a:t>
-                      </a:r>
-                      <a:endParaRPr lang="en-US" sz="1600" dirty="0"/>
+                      <a:endParaRPr lang="en-US" sz="1400" dirty="0"/>
                     </a:p>
                   </a:txBody>
-                  <a:tcPr/>
+                  <a:tcPr>
+                    <a:solidFill>
+                      <a:srgbClr val="FFFFFF"/>
+                    </a:solidFill>
+                  </a:tcPr>
                 </a:tc>
               </a:tr>
             </a:tbl>
@@ -8283,39 +8323,318 @@
           <a:p>
             <a:r>
               <a:rPr lang="en-US" smtClean="0"/>
-              <a:t>Copyright © EV3Lessons.com 2015 (Last edit: 2/26/2015)</a:t>
-            </a:r>
-            <a:endParaRPr lang="en-US"/>
-          </a:p>
-        </p:txBody>
-      </p:sp>
-      <p:sp>
-        <p:nvSpPr>
-          <p:cNvPr id="5" name="Slide Number Placeholder 4"/>
-          <p:cNvSpPr>
-            <a:spLocks noGrp="1"/>
-          </p:cNvSpPr>
-          <p:nvPr>
-            <p:ph type="sldNum" sz="quarter" idx="12"/>
-          </p:nvPr>
-        </p:nvSpPr>
-        <p:spPr/>
-        <p:txBody>
-          <a:bodyPr/>
-          <a:lstStyle/>
-          <a:p>
-            <a:fld id="{4DBC7FC8-25FB-FC45-8177-2B991DA6778C}" type="slidenum">
-              <a:rPr lang="en-US" smtClean="0"/>
-              <a:t>4</a:t>
-            </a:fld>
-            <a:endParaRPr lang="en-US"/>
-          </a:p>
-        </p:txBody>
-      </p:sp>
+              <a:t>Copyright © EV3Lessons.com 2015 (Last edit: 9/22/2015)</a:t>
+            </a:r>
+            <a:endParaRPr lang="en-US"/>
+          </a:p>
+        </p:txBody>
+      </p:sp>
+      <p:pic>
+        <p:nvPicPr>
+          <p:cNvPr id="7" name="Picture 6"/>
+          <p:cNvPicPr>
+            <a:picLocks noChangeAspect="1"/>
+          </p:cNvPicPr>
+          <p:nvPr/>
+        </p:nvPicPr>
+        <p:blipFill>
+          <a:blip r:embed="rId2"/>
+          <a:stretch>
+            <a:fillRect/>
+          </a:stretch>
+        </p:blipFill>
+        <p:spPr>
+          <a:xfrm>
+            <a:off x="4180265" y="1387967"/>
+            <a:ext cx="579189" cy="1174693"/>
+          </a:xfrm>
+          <a:prstGeom prst="rect">
+            <a:avLst/>
+          </a:prstGeom>
+        </p:spPr>
+      </p:pic>
+      <p:pic>
+        <p:nvPicPr>
+          <p:cNvPr id="10" name="Picture 9"/>
+          <p:cNvPicPr>
+            <a:picLocks noChangeAspect="1"/>
+          </p:cNvPicPr>
+          <p:nvPr/>
+        </p:nvPicPr>
+        <p:blipFill>
+          <a:blip r:embed="rId3"/>
+          <a:stretch>
+            <a:fillRect/>
+          </a:stretch>
+        </p:blipFill>
+        <p:spPr>
+          <a:xfrm>
+            <a:off x="6981827" y="1387967"/>
+            <a:ext cx="571031" cy="1207323"/>
+          </a:xfrm>
+          <a:prstGeom prst="rect">
+            <a:avLst/>
+          </a:prstGeom>
+        </p:spPr>
+      </p:pic>
+      <p:pic>
+        <p:nvPicPr>
+          <p:cNvPr id="11" name="Picture 10"/>
+          <p:cNvPicPr>
+            <a:picLocks noChangeAspect="1"/>
+          </p:cNvPicPr>
+          <p:nvPr/>
+        </p:nvPicPr>
+        <p:blipFill>
+          <a:blip r:embed="rId4"/>
+          <a:stretch>
+            <a:fillRect/>
+          </a:stretch>
+        </p:blipFill>
+        <p:spPr>
+          <a:xfrm>
+            <a:off x="1469964" y="1387967"/>
+            <a:ext cx="579189" cy="1174693"/>
+          </a:xfrm>
+          <a:prstGeom prst="rect">
+            <a:avLst/>
+          </a:prstGeom>
+        </p:spPr>
+      </p:pic>
     </p:spTree>
     <p:extLst>
       <p:ext uri="{BB962C8B-B14F-4D97-AF65-F5344CB8AC3E}">
         <p14:creationId xmlns:p14="http://schemas.microsoft.com/office/powerpoint/2010/main" val="4175683872"/>
+      </p:ext>
+    </p:extLst>
+  </p:cSld>
+  <p:clrMapOvr>
+    <a:masterClrMapping/>
+  </p:clrMapOvr>
+</p:sld>
+</file>
+
+<file path=ppt/slides/slide5.xml><?xml version="1.0" encoding="utf-8"?>
+<p:sld xmlns:a="http://schemas.openxmlformats.org/drawingml/2006/main" xmlns:r="http://schemas.openxmlformats.org/officeDocument/2006/relationships" xmlns:p="http://schemas.openxmlformats.org/presentationml/2006/main">
+  <p:cSld>
+    <p:spTree>
+      <p:nvGrpSpPr>
+        <p:cNvPr id="1" name=""/>
+        <p:cNvGrpSpPr/>
+        <p:nvPr/>
+      </p:nvGrpSpPr>
+      <p:grpSpPr>
+        <a:xfrm>
+          <a:off x="0" y="0"/>
+          <a:ext cx="0" cy="0"/>
+          <a:chOff x="0" y="0"/>
+          <a:chExt cx="0" cy="0"/>
+        </a:xfrm>
+      </p:grpSpPr>
+      <p:pic>
+        <p:nvPicPr>
+          <p:cNvPr id="9" name="Picture 8" descr="Screen Shot 2015-09-11 at 8.53.12 PM.png"/>
+          <p:cNvPicPr>
+            <a:picLocks noChangeAspect="1"/>
+          </p:cNvPicPr>
+          <p:nvPr/>
+        </p:nvPicPr>
+        <p:blipFill>
+          <a:blip r:embed="rId2">
+            <a:extLst>
+              <a:ext uri="{28A0092B-C50C-407E-A947-70E740481C1C}">
+                <a14:useLocalDpi xmlns:a14="http://schemas.microsoft.com/office/drawing/2010/main" val="0"/>
+              </a:ext>
+            </a:extLst>
+          </a:blip>
+          <a:stretch>
+            <a:fillRect/>
+          </a:stretch>
+        </p:blipFill>
+        <p:spPr>
+          <a:xfrm>
+            <a:off x="4124838" y="2445077"/>
+            <a:ext cx="2606409" cy="3315352"/>
+          </a:xfrm>
+          <a:prstGeom prst="rect">
+            <a:avLst/>
+          </a:prstGeom>
+        </p:spPr>
+      </p:pic>
+      <p:pic>
+        <p:nvPicPr>
+          <p:cNvPr id="8" name="Picture 7" descr="Screen Shot 2015-09-11 at 8.53.29 PM.png"/>
+          <p:cNvPicPr>
+            <a:picLocks noChangeAspect="1"/>
+          </p:cNvPicPr>
+          <p:nvPr/>
+        </p:nvPicPr>
+        <p:blipFill>
+          <a:blip r:embed="rId3">
+            <a:extLst>
+              <a:ext uri="{28A0092B-C50C-407E-A947-70E740481C1C}">
+                <a14:useLocalDpi xmlns:a14="http://schemas.microsoft.com/office/drawing/2010/main" val="0"/>
+              </a:ext>
+            </a:extLst>
+          </a:blip>
+          <a:stretch>
+            <a:fillRect/>
+          </a:stretch>
+        </p:blipFill>
+        <p:spPr>
+          <a:xfrm>
+            <a:off x="5823430" y="3091700"/>
+            <a:ext cx="2598207" cy="3284758"/>
+          </a:xfrm>
+          <a:prstGeom prst="rect">
+            <a:avLst/>
+          </a:prstGeom>
+        </p:spPr>
+      </p:pic>
+      <p:sp>
+        <p:nvSpPr>
+          <p:cNvPr id="2" name="Title 1"/>
+          <p:cNvSpPr>
+            <a:spLocks noGrp="1"/>
+          </p:cNvSpPr>
+          <p:nvPr>
+            <p:ph type="title"/>
+          </p:nvPr>
+        </p:nvSpPr>
+        <p:spPr/>
+        <p:txBody>
+          <a:bodyPr/>
+          <a:lstStyle/>
+          <a:p>
+            <a:r>
+              <a:rPr lang="en-US" dirty="0" smtClean="0"/>
+              <a:t>Quick guides IN RESOURCES</a:t>
+            </a:r>
+            <a:endParaRPr lang="en-US" dirty="0"/>
+          </a:p>
+        </p:txBody>
+      </p:sp>
+      <p:sp>
+        <p:nvSpPr>
+          <p:cNvPr id="3" name="Content Placeholder 2"/>
+          <p:cNvSpPr>
+            <a:spLocks noGrp="1"/>
+          </p:cNvSpPr>
+          <p:nvPr>
+            <p:ph idx="1"/>
+          </p:nvPr>
+        </p:nvSpPr>
+        <p:spPr>
+          <a:xfrm>
+            <a:off x="457200" y="1124087"/>
+            <a:ext cx="8245474" cy="4373563"/>
+          </a:xfrm>
+        </p:spPr>
+        <p:txBody>
+          <a:bodyPr/>
+          <a:lstStyle/>
+          <a:p>
+            <a:r>
+              <a:rPr lang="en-US" dirty="0" smtClean="0"/>
+              <a:t>These provide quick responses to important topics and questions that are common.</a:t>
+            </a:r>
+          </a:p>
+          <a:p>
+            <a:r>
+              <a:rPr lang="en-US" dirty="0" smtClean="0"/>
+              <a:t>Use them as you need – as handouts, as discussion guides</a:t>
+            </a:r>
+            <a:endParaRPr lang="en-US" dirty="0"/>
+          </a:p>
+        </p:txBody>
+      </p:sp>
+      <p:sp>
+        <p:nvSpPr>
+          <p:cNvPr id="4" name="Footer Placeholder 3"/>
+          <p:cNvSpPr>
+            <a:spLocks noGrp="1"/>
+          </p:cNvSpPr>
+          <p:nvPr>
+            <p:ph type="ftr" sz="quarter" idx="11"/>
+          </p:nvPr>
+        </p:nvSpPr>
+        <p:spPr/>
+        <p:txBody>
+          <a:bodyPr/>
+          <a:lstStyle/>
+          <a:p>
+            <a:r>
+              <a:rPr lang="en-US" smtClean="0"/>
+              <a:t>Copyright © EV3Lessons.com 2015 (Last edit: 9/22/2015)</a:t>
+            </a:r>
+            <a:endParaRPr lang="en-US"/>
+          </a:p>
+        </p:txBody>
+      </p:sp>
+      <p:pic>
+        <p:nvPicPr>
+          <p:cNvPr id="6" name="Picture 5" descr="Screen Shot 2015-09-20 at 11.59.17 AM.png"/>
+          <p:cNvPicPr>
+            <a:picLocks noChangeAspect="1"/>
+          </p:cNvPicPr>
+          <p:nvPr/>
+        </p:nvPicPr>
+        <p:blipFill>
+          <a:blip r:embed="rId4">
+            <a:extLst>
+              <a:ext uri="{28A0092B-C50C-407E-A947-70E740481C1C}">
+                <a14:useLocalDpi xmlns:a14="http://schemas.microsoft.com/office/drawing/2010/main" val="0"/>
+              </a:ext>
+            </a:extLst>
+          </a:blip>
+          <a:stretch>
+            <a:fillRect/>
+          </a:stretch>
+        </p:blipFill>
+        <p:spPr>
+          <a:xfrm>
+            <a:off x="549916" y="2445076"/>
+            <a:ext cx="2566277" cy="3315352"/>
+          </a:xfrm>
+          <a:prstGeom prst="rect">
+            <a:avLst/>
+          </a:prstGeom>
+        </p:spPr>
+      </p:pic>
+      <p:pic>
+        <p:nvPicPr>
+          <p:cNvPr id="7" name="Picture 6" descr="Screen Shot 2015-09-11 at 8.53.44 PM.png"/>
+          <p:cNvPicPr>
+            <a:picLocks noChangeAspect="1"/>
+          </p:cNvPicPr>
+          <p:nvPr/>
+        </p:nvPicPr>
+        <p:blipFill>
+          <a:blip r:embed="rId5">
+            <a:extLst>
+              <a:ext uri="{28A0092B-C50C-407E-A947-70E740481C1C}">
+                <a14:useLocalDpi xmlns:a14="http://schemas.microsoft.com/office/drawing/2010/main" val="0"/>
+              </a:ext>
+            </a:extLst>
+          </a:blip>
+          <a:stretch>
+            <a:fillRect/>
+          </a:stretch>
+        </p:blipFill>
+        <p:spPr>
+          <a:xfrm>
+            <a:off x="2142934" y="3091699"/>
+            <a:ext cx="2565318" cy="3284758"/>
+          </a:xfrm>
+          <a:prstGeom prst="rect">
+            <a:avLst/>
+          </a:prstGeom>
+        </p:spPr>
+      </p:pic>
+    </p:spTree>
+    <p:extLst>
+      <p:ext uri="{BB962C8B-B14F-4D97-AF65-F5344CB8AC3E}">
+        <p14:creationId xmlns:p14="http://schemas.microsoft.com/office/powerpoint/2010/main" val="4157959621"/>
       </p:ext>
     </p:extLst>
   </p:cSld>
@@ -8833,7 +9152,7 @@
   <a:extraClrSchemeLst/>
   <a:extLst>
     <a:ext uri="{05A4C25C-085E-4340-85A3-A5531E510DB2}">
-      <thm15:themeFamily xmlns:thm15="http://schemas.microsoft.com/office/thememl/2012/main" name="Office Theme" id="{62F939B6-93AF-4DB8-9C6B-D6C7DFDC589F}" vid="{4A3C46E8-61CC-4603-A589-7422A47A8E4A}"/>
+      <thm15:themeFamily xmlns:thm15="http://schemas.microsoft.com/office/thememl/2012/main" xmlns="" name="Office Theme" id="{62F939B6-93AF-4DB8-9C6B-D6C7DFDC589F}" vid="{4A3C46E8-61CC-4603-A589-7422A47A8E4A}"/>
     </a:ext>
   </a:extLst>
 </a:theme>

--- a/translations/en-us/beginner/LessonUse.pptx
+++ b/translations/en-us/beginner/LessonUse.pptx
@@ -6,10 +6,10 @@
     <p:sldMasterId id="2147483726" r:id="rId2"/>
   </p:sldMasterIdLst>
   <p:notesMasterIdLst>
-    <p:notesMasterId r:id="rId8"/>
+    <p:notesMasterId r:id="rId9"/>
   </p:notesMasterIdLst>
   <p:handoutMasterIdLst>
-    <p:handoutMasterId r:id="rId9"/>
+    <p:handoutMasterId r:id="rId10"/>
   </p:handoutMasterIdLst>
   <p:sldIdLst>
     <p:sldId id="408" r:id="rId3"/>
@@ -17,6 +17,7 @@
     <p:sldId id="411" r:id="rId5"/>
     <p:sldId id="413" r:id="rId6"/>
     <p:sldId id="414" r:id="rId7"/>
+    <p:sldId id="415" r:id="rId8"/>
   </p:sldIdLst>
   <p:sldSz cx="9144000" cy="6858000" type="screen4x3"/>
   <p:notesSz cx="6858000" cy="9144000"/>
@@ -117,7 +118,7 @@
   </p:defaultTextStyle>
   <p:extLst>
     <p:ext uri="{EFAFB233-063F-42B5-8137-9DF3F51BA10A}">
-      <p15:sldGuideLst xmlns:p15="http://schemas.microsoft.com/office/powerpoint/2012/main" xmlns="">
+      <p15:sldGuideLst xmlns:p15="http://schemas.microsoft.com/office/powerpoint/2012/main">
         <p15:guide id="1" orient="horz" pos="2160">
           <p15:clr>
             <a:srgbClr val="A4A3A4"/>
@@ -216,7 +217,7 @@
           <a:p>
             <a:fld id="{F8D9B3D7-15CB-9343-AA49-EFB5A8F33F18}" type="datetimeFigureOut">
               <a:rPr lang="en-US" smtClean="0"/>
-              <a:t>9/22/15</a:t>
+              <a:t>11/14/15</a:t>
             </a:fld>
             <a:endParaRPr lang="en-US"/>
           </a:p>
@@ -382,7 +383,7 @@
           <a:p>
             <a:fld id="{FD3EFF1E-85A1-6640-AFB9-C38833E80A84}" type="datetimeFigureOut">
               <a:rPr lang="en-US" smtClean="0"/>
-              <a:t>9/22/15</a:t>
+              <a:t>11/14/15</a:t>
             </a:fld>
             <a:endParaRPr lang="en-US"/>
           </a:p>
@@ -735,6 +736,90 @@
 </p:notes>
 </file>
 
+<file path=ppt/notesSlides/notesSlide2.xml><?xml version="1.0" encoding="utf-8"?>
+<p:notes xmlns:a="http://schemas.openxmlformats.org/drawingml/2006/main" xmlns:r="http://schemas.openxmlformats.org/officeDocument/2006/relationships" xmlns:p="http://schemas.openxmlformats.org/presentationml/2006/main">
+  <p:cSld>
+    <p:spTree>
+      <p:nvGrpSpPr>
+        <p:cNvPr id="1" name=""/>
+        <p:cNvGrpSpPr/>
+        <p:nvPr/>
+      </p:nvGrpSpPr>
+      <p:grpSpPr>
+        <a:xfrm>
+          <a:off x="0" y="0"/>
+          <a:ext cx="0" cy="0"/>
+          <a:chOff x="0" y="0"/>
+          <a:chExt cx="0" cy="0"/>
+        </a:xfrm>
+      </p:grpSpPr>
+      <p:sp>
+        <p:nvSpPr>
+          <p:cNvPr id="2" name="Slide Image Placeholder 1"/>
+          <p:cNvSpPr>
+            <a:spLocks noGrp="1" noRot="1" noChangeAspect="1"/>
+          </p:cNvSpPr>
+          <p:nvPr>
+            <p:ph type="sldImg"/>
+          </p:nvPr>
+        </p:nvSpPr>
+        <p:spPr/>
+      </p:sp>
+      <p:sp>
+        <p:nvSpPr>
+          <p:cNvPr id="3" name="Notes Placeholder 2"/>
+          <p:cNvSpPr>
+            <a:spLocks noGrp="1"/>
+          </p:cNvSpPr>
+          <p:nvPr>
+            <p:ph type="body" idx="1"/>
+          </p:nvPr>
+        </p:nvSpPr>
+        <p:spPr/>
+        <p:txBody>
+          <a:bodyPr/>
+          <a:lstStyle/>
+          <a:p>
+            <a:endParaRPr lang="en-US"/>
+          </a:p>
+        </p:txBody>
+      </p:sp>
+      <p:sp>
+        <p:nvSpPr>
+          <p:cNvPr id="4" name="Slide Number Placeholder 3"/>
+          <p:cNvSpPr>
+            <a:spLocks noGrp="1"/>
+          </p:cNvSpPr>
+          <p:nvPr>
+            <p:ph type="sldNum" sz="quarter" idx="10"/>
+          </p:nvPr>
+        </p:nvSpPr>
+        <p:spPr/>
+        <p:txBody>
+          <a:bodyPr/>
+          <a:lstStyle/>
+          <a:p>
+            <a:fld id="{13967457-1E83-1040-AFF7-8D09C473DBD5}" type="slidenum">
+              <a:rPr lang="en-US" smtClean="0"/>
+              <a:t>4</a:t>
+            </a:fld>
+            <a:endParaRPr lang="en-US"/>
+          </a:p>
+        </p:txBody>
+      </p:sp>
+    </p:spTree>
+    <p:extLst>
+      <p:ext uri="{BB962C8B-B14F-4D97-AF65-F5344CB8AC3E}">
+        <p14:creationId xmlns:p14="http://schemas.microsoft.com/office/powerpoint/2010/main" val="1532145723"/>
+      </p:ext>
+    </p:extLst>
+  </p:cSld>
+  <p:clrMapOvr>
+    <a:masterClrMapping/>
+  </p:clrMapOvr>
+</p:notes>
+</file>
+
 <file path=ppt/slideLayouts/slideLayout1.xml><?xml version="1.0" encoding="utf-8"?>
 <p:sldLayout xmlns:a="http://schemas.openxmlformats.org/drawingml/2006/main" xmlns:r="http://schemas.openxmlformats.org/officeDocument/2006/relationships" xmlns:p="http://schemas.openxmlformats.org/presentationml/2006/main" showMasterSp="0" type="title" preserve="1">
   <p:cSld name="Title Slide">
@@ -926,9 +1011,9 @@
           <a:bodyPr/>
           <a:lstStyle/>
           <a:p>
-            <a:fld id="{96B7A8C7-3E09-7948-9D61-597B7A958F80}" type="datetime1">
-              <a:rPr lang="en-US" smtClean="0"/>
-              <a:t>9/22/15</a:t>
+            <a:fld id="{F29C9D81-F438-2745-97F8-133E36EABB88}" type="datetime1">
+              <a:rPr lang="en-US" smtClean="0"/>
+              <a:t>11/14/15</a:t>
             </a:fld>
             <a:endParaRPr lang="en-US"/>
           </a:p>
@@ -951,7 +1036,7 @@
           <a:p>
             <a:r>
               <a:rPr lang="en-US" smtClean="0"/>
-              <a:t>Copyright © EV3Lessons.com 2015 (Last edit: 9/22/2015)</a:t>
+              <a:t>Copyright © EV3Lessons.com 2015 (Last edit: 11/14/2015)</a:t>
             </a:r>
             <a:endParaRPr lang="en-US"/>
           </a:p>
@@ -1118,7 +1203,7 @@
   <p:timing>
     <p:tnLst>
       <p:par>
-        <p:cTn xmlns:p14="http://schemas.microsoft.com/office/powerpoint/2010/main" id="1" dur="indefinite" restart="never" nodeType="tmRoot"/>
+        <p:cTn id="1" dur="indefinite" restart="never" nodeType="tmRoot"/>
       </p:par>
     </p:tnLst>
   </p:timing>
@@ -1232,9 +1317,9 @@
           <a:bodyPr/>
           <a:lstStyle/>
           <a:p>
-            <a:fld id="{928D1CB7-C56B-BF4B-A8B6-8B3DA32F0C8E}" type="datetime1">
-              <a:rPr lang="en-US" smtClean="0"/>
-              <a:t>9/22/15</a:t>
+            <a:fld id="{9AA69DBC-D0EA-1348-A177-C5B80AE4E5F5}" type="datetime1">
+              <a:rPr lang="en-US" smtClean="0"/>
+              <a:t>11/14/15</a:t>
             </a:fld>
             <a:endParaRPr lang="en-US"/>
           </a:p>
@@ -1257,7 +1342,7 @@
           <a:p>
             <a:r>
               <a:rPr lang="en-US" smtClean="0"/>
-              <a:t>Copyright © EV3Lessons.com 2015 (Last edit: 9/22/2015)</a:t>
+              <a:t>Copyright © EV3Lessons.com 2015 (Last edit: 11/14/2015)</a:t>
             </a:r>
             <a:endParaRPr lang="en-US"/>
           </a:p>
@@ -1419,9 +1504,9 @@
           <a:bodyPr/>
           <a:lstStyle/>
           <a:p>
-            <a:fld id="{EBDC20D6-5ABB-7541-9C08-D37C43330BEE}" type="datetime1">
-              <a:rPr lang="en-US" smtClean="0"/>
-              <a:t>9/22/15</a:t>
+            <a:fld id="{F01D34F3-3106-0444-A80B-70FBE92F0820}" type="datetime1">
+              <a:rPr lang="en-US" smtClean="0"/>
+              <a:t>11/14/15</a:t>
             </a:fld>
             <a:endParaRPr lang="en-US"/>
           </a:p>
@@ -1444,7 +1529,7 @@
           <a:p>
             <a:r>
               <a:rPr lang="en-US" smtClean="0"/>
-              <a:t>Copyright © EV3Lessons.com 2015 (Last edit: 9/22/2015)</a:t>
+              <a:t>Copyright © EV3Lessons.com 2015 (Last edit: 11/14/2015)</a:t>
             </a:r>
             <a:endParaRPr lang="en-US"/>
           </a:p>
@@ -1618,9 +1703,9 @@
           <a:bodyPr/>
           <a:lstStyle/>
           <a:p>
-            <a:fld id="{85CAE005-3157-D340-A2D8-A9470CED3900}" type="datetime1">
-              <a:rPr lang="en-US" smtClean="0"/>
-              <a:t>9/22/15</a:t>
+            <a:fld id="{5BA20EFF-D518-0C45-8B36-230F665B46CE}" type="datetime1">
+              <a:rPr lang="en-US" smtClean="0"/>
+              <a:t>11/14/15</a:t>
             </a:fld>
             <a:endParaRPr lang="en-US"/>
           </a:p>
@@ -1643,7 +1728,7 @@
           <a:p>
             <a:r>
               <a:rPr lang="en-US" smtClean="0"/>
-              <a:t>Copyright © EV3Lessons.com 2015 (Last edit: 9/22/2015)</a:t>
+              <a:t>Copyright © EV3Lessons.com 2015 (Last edit: 11/14/2015)</a:t>
             </a:r>
             <a:endParaRPr lang="en-US"/>
           </a:p>
@@ -1792,9 +1877,9 @@
           <a:bodyPr/>
           <a:lstStyle/>
           <a:p>
-            <a:fld id="{EE76CAB0-D13E-9E4A-8100-ECA22F0E9C24}" type="datetime1">
-              <a:rPr lang="en-US" smtClean="0"/>
-              <a:t>9/22/15</a:t>
+            <a:fld id="{2AE51FF3-7E08-B649-A0F3-75C19A4AACD4}" type="datetime1">
+              <a:rPr lang="en-US" smtClean="0"/>
+              <a:t>11/14/15</a:t>
             </a:fld>
             <a:endParaRPr lang="en-US"/>
           </a:p>
@@ -1817,7 +1902,7 @@
           <a:p>
             <a:r>
               <a:rPr lang="en-US" smtClean="0"/>
-              <a:t>Copyright © EV3Lessons.com 2015 (Last edit: 9/22/2015)</a:t>
+              <a:t>Copyright © EV3Lessons.com 2015 (Last edit: 11/14/2015)</a:t>
             </a:r>
             <a:endParaRPr lang="en-US"/>
           </a:p>
@@ -2042,9 +2127,9 @@
           <a:bodyPr/>
           <a:lstStyle/>
           <a:p>
-            <a:fld id="{DC7671E5-C857-7346-A42F-87A6992B2722}" type="datetime1">
-              <a:rPr lang="en-US" smtClean="0"/>
-              <a:t>9/22/15</a:t>
+            <a:fld id="{2BA9E441-753E-E44E-AD1B-C957042FBCD6}" type="datetime1">
+              <a:rPr lang="en-US" smtClean="0"/>
+              <a:t>11/14/15</a:t>
             </a:fld>
             <a:endParaRPr lang="en-US"/>
           </a:p>
@@ -2067,7 +2152,7 @@
           <a:p>
             <a:r>
               <a:rPr lang="en-US" smtClean="0"/>
-              <a:t>Copyright © EV3Lessons.com 2015 (Last edit: 9/22/2015)</a:t>
+              <a:t>Copyright © EV3Lessons.com 2015 (Last edit: 11/14/2015)</a:t>
             </a:r>
             <a:endParaRPr lang="en-US"/>
           </a:p>
@@ -2278,9 +2363,9 @@
           <a:bodyPr/>
           <a:lstStyle/>
           <a:p>
-            <a:fld id="{7779CDEE-5736-8F45-BBD5-B69AC739AEBB}" type="datetime1">
-              <a:rPr lang="en-US" smtClean="0"/>
-              <a:t>9/22/15</a:t>
+            <a:fld id="{02EFCFF9-AF5F-BF49-90F0-DDF41B6CC7B8}" type="datetime1">
+              <a:rPr lang="en-US" smtClean="0"/>
+              <a:t>11/14/15</a:t>
             </a:fld>
             <a:endParaRPr lang="en-US"/>
           </a:p>
@@ -2303,7 +2388,7 @@
           <a:p>
             <a:r>
               <a:rPr lang="en-US" smtClean="0"/>
-              <a:t>Copyright © EV3Lessons.com 2015 (Last edit: 9/22/2015)</a:t>
+              <a:t>Copyright © EV3Lessons.com 2015 (Last edit: 11/14/2015)</a:t>
             </a:r>
             <a:endParaRPr lang="en-US"/>
           </a:p>
@@ -2649,9 +2734,9 @@
           <a:bodyPr/>
           <a:lstStyle/>
           <a:p>
-            <a:fld id="{C88290E0-0391-E943-A294-DE2ECECE912E}" type="datetime1">
-              <a:rPr lang="en-US" smtClean="0"/>
-              <a:t>9/22/15</a:t>
+            <a:fld id="{92152A46-DD1F-3C41-B574-11ADB24DA25A}" type="datetime1">
+              <a:rPr lang="en-US" smtClean="0"/>
+              <a:t>11/14/15</a:t>
             </a:fld>
             <a:endParaRPr lang="en-US"/>
           </a:p>
@@ -2674,7 +2759,7 @@
           <a:p>
             <a:r>
               <a:rPr lang="en-US" smtClean="0"/>
-              <a:t>Copyright © EV3Lessons.com 2015 (Last edit: 9/22/2015)</a:t>
+              <a:t>Copyright © EV3Lessons.com 2015 (Last edit: 11/14/2015)</a:t>
             </a:r>
             <a:endParaRPr lang="en-US"/>
           </a:p>
@@ -2771,9 +2856,9 @@
           <a:bodyPr/>
           <a:lstStyle/>
           <a:p>
-            <a:fld id="{07993D8C-9CD7-5B4A-992E-047532CE4569}" type="datetime1">
-              <a:rPr lang="en-US" smtClean="0"/>
-              <a:t>9/22/15</a:t>
+            <a:fld id="{37137F69-D527-6B4B-A600-FE540023F5CD}" type="datetime1">
+              <a:rPr lang="en-US" smtClean="0"/>
+              <a:t>11/14/15</a:t>
             </a:fld>
             <a:endParaRPr lang="en-US"/>
           </a:p>
@@ -2796,7 +2881,7 @@
           <a:p>
             <a:r>
               <a:rPr lang="en-US" smtClean="0"/>
-              <a:t>Copyright © EV3Lessons.com 2015 (Last edit: 9/22/2015)</a:t>
+              <a:t>Copyright © EV3Lessons.com 2015 (Last edit: 11/14/2015)</a:t>
             </a:r>
             <a:endParaRPr lang="en-US"/>
           </a:p>
@@ -2870,9 +2955,9 @@
           <a:bodyPr/>
           <a:lstStyle/>
           <a:p>
-            <a:fld id="{97D1D6EC-C1DC-9A47-A3E5-51BE8FBA26CB}" type="datetime1">
-              <a:rPr lang="en-US" smtClean="0"/>
-              <a:t>9/22/15</a:t>
+            <a:fld id="{A441E19C-0B3A-BA4F-8CC8-5C94F6CE09E7}" type="datetime1">
+              <a:rPr lang="en-US" smtClean="0"/>
+              <a:t>11/14/15</a:t>
             </a:fld>
             <a:endParaRPr lang="en-US"/>
           </a:p>
@@ -2895,7 +2980,7 @@
           <a:p>
             <a:r>
               <a:rPr lang="en-US" smtClean="0"/>
-              <a:t>Copyright © EV3Lessons.com 2015 (Last edit: 9/22/2015)</a:t>
+              <a:t>Copyright © EV3Lessons.com 2015 (Last edit: 11/14/2015)</a:t>
             </a:r>
             <a:endParaRPr lang="en-US"/>
           </a:p>
@@ -3151,9 +3236,9 @@
           <a:bodyPr/>
           <a:lstStyle/>
           <a:p>
-            <a:fld id="{191202A3-C0FF-3048-96FB-FC47CA0194D5}" type="datetime1">
-              <a:rPr lang="en-US" smtClean="0"/>
-              <a:t>9/22/15</a:t>
+            <a:fld id="{95C4E0B0-151A-B342-B6EE-B8B0DFBE9EDE}" type="datetime1">
+              <a:rPr lang="en-US" smtClean="0"/>
+              <a:t>11/14/15</a:t>
             </a:fld>
             <a:endParaRPr lang="en-US"/>
           </a:p>
@@ -3176,7 +3261,7 @@
           <a:p>
             <a:r>
               <a:rPr lang="en-US" smtClean="0"/>
-              <a:t>Copyright © EV3Lessons.com 2015 (Last edit: 9/22/2015)</a:t>
+              <a:t>Copyright © EV3Lessons.com 2015 (Last edit: 11/14/2015)</a:t>
             </a:r>
             <a:endParaRPr lang="en-US"/>
           </a:p>
@@ -3335,9 +3420,9 @@
           <a:bodyPr/>
           <a:lstStyle/>
           <a:p>
-            <a:fld id="{2B89C5B1-EA26-3E44-A56E-60E3A3FBEECC}" type="datetime1">
-              <a:rPr lang="en-US" smtClean="0"/>
-              <a:t>9/22/15</a:t>
+            <a:fld id="{0DFF5A97-22EB-F942-8CE0-FED47BEA1C55}" type="datetime1">
+              <a:rPr lang="en-US" smtClean="0"/>
+              <a:t>11/14/15</a:t>
             </a:fld>
             <a:endParaRPr lang="en-US"/>
           </a:p>
@@ -3360,7 +3445,7 @@
           <a:p>
             <a:r>
               <a:rPr lang="en-US" smtClean="0"/>
-              <a:t>Copyright © EV3Lessons.com 2015 (Last edit: 9/22/2015)</a:t>
+              <a:t>Copyright © EV3Lessons.com 2015 (Last edit: 11/14/2015)</a:t>
             </a:r>
             <a:endParaRPr lang="en-US"/>
           </a:p>
@@ -3405,7 +3490,7 @@
   <p:timing>
     <p:tnLst>
       <p:par>
-        <p:cTn xmlns:p14="http://schemas.microsoft.com/office/powerpoint/2010/main" id="1" dur="indefinite" restart="never" nodeType="tmRoot"/>
+        <p:cTn id="1" dur="indefinite" restart="never" nodeType="tmRoot"/>
       </p:par>
     </p:tnLst>
   </p:timing>
@@ -3602,9 +3687,9 @@
           <a:bodyPr/>
           <a:lstStyle/>
           <a:p>
-            <a:fld id="{ED929BD5-0ACA-474E-876B-0DBD1A53BAB0}" type="datetime1">
-              <a:rPr lang="en-US" smtClean="0"/>
-              <a:t>9/22/15</a:t>
+            <a:fld id="{17BEDB43-6DCF-EB49-AAAF-BEB9124C4886}" type="datetime1">
+              <a:rPr lang="en-US" smtClean="0"/>
+              <a:t>11/14/15</a:t>
             </a:fld>
             <a:endParaRPr lang="en-US"/>
           </a:p>
@@ -3627,7 +3712,7 @@
           <a:p>
             <a:r>
               <a:rPr lang="en-US" smtClean="0"/>
-              <a:t>Copyright © EV3Lessons.com 2015 (Last edit: 9/22/2015)</a:t>
+              <a:t>Copyright © EV3Lessons.com 2015 (Last edit: 11/14/2015)</a:t>
             </a:r>
             <a:endParaRPr lang="en-US"/>
           </a:p>
@@ -3776,9 +3861,9 @@
           <a:bodyPr/>
           <a:lstStyle/>
           <a:p>
-            <a:fld id="{4436F3C7-9D5A-F044-88CB-ABFD6D2E2F89}" type="datetime1">
-              <a:rPr lang="en-US" smtClean="0"/>
-              <a:t>9/22/15</a:t>
+            <a:fld id="{5B7217AB-BDE9-2344-99E0-68D39B1E84AD}" type="datetime1">
+              <a:rPr lang="en-US" smtClean="0"/>
+              <a:t>11/14/15</a:t>
             </a:fld>
             <a:endParaRPr lang="en-US"/>
           </a:p>
@@ -3801,7 +3886,7 @@
           <a:p>
             <a:r>
               <a:rPr lang="en-US" smtClean="0"/>
-              <a:t>Copyright © EV3Lessons.com 2015 (Last edit: 9/22/2015)</a:t>
+              <a:t>Copyright © EV3Lessons.com 2015 (Last edit: 11/14/2015)</a:t>
             </a:r>
             <a:endParaRPr lang="en-US"/>
           </a:p>
@@ -3960,9 +4045,9 @@
           <a:bodyPr/>
           <a:lstStyle/>
           <a:p>
-            <a:fld id="{6C7A1C9B-5A27-9843-B14A-B38D5EF75BE9}" type="datetime1">
-              <a:rPr lang="en-US" smtClean="0"/>
-              <a:t>9/22/15</a:t>
+            <a:fld id="{08E58C23-8D55-D042-9EF2-B4D519730B0D}" type="datetime1">
+              <a:rPr lang="en-US" smtClean="0"/>
+              <a:t>11/14/15</a:t>
             </a:fld>
             <a:endParaRPr lang="en-US"/>
           </a:p>
@@ -3985,7 +4070,7 @@
           <a:p>
             <a:r>
               <a:rPr lang="en-US" smtClean="0"/>
-              <a:t>Copyright © EV3Lessons.com 2015 (Last edit: 9/22/2015)</a:t>
+              <a:t>Copyright © EV3Lessons.com 2015 (Last edit: 11/14/2015)</a:t>
             </a:r>
             <a:endParaRPr lang="en-US"/>
           </a:p>
@@ -4218,9 +4303,9 @@
           <a:bodyPr/>
           <a:lstStyle/>
           <a:p>
-            <a:fld id="{0F810EF1-DF42-F24D-8C3A-58AD7534091D}" type="datetime1">
-              <a:rPr lang="en-US" smtClean="0"/>
-              <a:t>9/22/15</a:t>
+            <a:fld id="{B2867D50-624D-CF40-BC8F-1C1D6079E728}" type="datetime1">
+              <a:rPr lang="en-US" smtClean="0"/>
+              <a:t>11/14/15</a:t>
             </a:fld>
             <a:endParaRPr lang="en-US"/>
           </a:p>
@@ -4274,7 +4359,7 @@
           <a:p>
             <a:r>
               <a:rPr lang="en-US" smtClean="0"/>
-              <a:t>Copyright © EV3Lessons.com 2015 (Last edit: 9/22/2015)</a:t>
+              <a:t>Copyright © EV3Lessons.com 2015 (Last edit: 11/14/2015)</a:t>
             </a:r>
             <a:endParaRPr lang="en-US"/>
           </a:p>
@@ -4518,9 +4603,9 @@
           <a:bodyPr/>
           <a:lstStyle/>
           <a:p>
-            <a:fld id="{38F43DA9-2CDB-A147-8C82-99A07F0378F7}" type="datetime1">
-              <a:rPr lang="en-US" smtClean="0"/>
-              <a:t>9/22/15</a:t>
+            <a:fld id="{92E88C5F-AE01-8F4F-9DD6-CDC18A107922}" type="datetime1">
+              <a:rPr lang="en-US" smtClean="0"/>
+              <a:t>11/14/15</a:t>
             </a:fld>
             <a:endParaRPr lang="en-US"/>
           </a:p>
@@ -4543,7 +4628,7 @@
           <a:p>
             <a:r>
               <a:rPr lang="en-US" smtClean="0"/>
-              <a:t>Copyright © EV3Lessons.com 2015 (Last edit: 9/22/2015)</a:t>
+              <a:t>Copyright © EV3Lessons.com 2015 (Last edit: 11/14/2015)</a:t>
             </a:r>
             <a:endParaRPr lang="en-US"/>
           </a:p>
@@ -4588,7 +4673,7 @@
   <p:timing>
     <p:tnLst>
       <p:par>
-        <p:cTn xmlns:p14="http://schemas.microsoft.com/office/powerpoint/2010/main" id="1" dur="indefinite" restart="never" nodeType="tmRoot"/>
+        <p:cTn id="1" dur="indefinite" restart="never" nodeType="tmRoot"/>
       </p:par>
     </p:tnLst>
   </p:timing>
@@ -4976,9 +5061,9 @@
           <a:bodyPr/>
           <a:lstStyle/>
           <a:p>
-            <a:fld id="{48594044-3535-0748-B038-1BEFF304CA5B}" type="datetime1">
-              <a:rPr lang="en-US" smtClean="0"/>
-              <a:t>9/22/15</a:t>
+            <a:fld id="{005BFA7E-4E72-FD4F-B627-1C3E5D03F598}" type="datetime1">
+              <a:rPr lang="en-US" smtClean="0"/>
+              <a:t>11/14/15</a:t>
             </a:fld>
             <a:endParaRPr lang="en-US"/>
           </a:p>
@@ -5001,7 +5086,7 @@
           <a:p>
             <a:r>
               <a:rPr lang="en-US" smtClean="0"/>
-              <a:t>Copyright © EV3Lessons.com 2015 (Last edit: 9/22/2015)</a:t>
+              <a:t>Copyright © EV3Lessons.com 2015 (Last edit: 11/14/2015)</a:t>
             </a:r>
             <a:endParaRPr lang="en-US"/>
           </a:p>
@@ -5046,7 +5131,7 @@
   <p:timing>
     <p:tnLst>
       <p:par>
-        <p:cTn xmlns:p14="http://schemas.microsoft.com/office/powerpoint/2010/main" id="1" dur="indefinite" restart="never" nodeType="tmRoot"/>
+        <p:cTn id="1" dur="indefinite" restart="never" nodeType="tmRoot"/>
       </p:par>
     </p:tnLst>
   </p:timing>
@@ -5108,9 +5193,9 @@
           <a:bodyPr/>
           <a:lstStyle/>
           <a:p>
-            <a:fld id="{A15E8011-2CFF-034B-A4AB-D6037936BBDC}" type="datetime1">
-              <a:rPr lang="en-US" smtClean="0"/>
-              <a:t>9/22/15</a:t>
+            <a:fld id="{8766BBE9-3123-1046-8D4F-85383600DC81}" type="datetime1">
+              <a:rPr lang="en-US" smtClean="0"/>
+              <a:t>11/14/15</a:t>
             </a:fld>
             <a:endParaRPr lang="en-US"/>
           </a:p>
@@ -5133,7 +5218,7 @@
           <a:p>
             <a:r>
               <a:rPr lang="en-US" smtClean="0"/>
-              <a:t>Copyright © EV3Lessons.com 2015 (Last edit: 9/22/2015)</a:t>
+              <a:t>Copyright © EV3Lessons.com 2015 (Last edit: 11/14/2015)</a:t>
             </a:r>
             <a:endParaRPr lang="en-US"/>
           </a:p>
@@ -5178,7 +5263,7 @@
   <p:timing>
     <p:tnLst>
       <p:par>
-        <p:cTn xmlns:p14="http://schemas.microsoft.com/office/powerpoint/2010/main" id="1" dur="indefinite" restart="never" nodeType="tmRoot"/>
+        <p:cTn id="1" dur="indefinite" restart="never" nodeType="tmRoot"/>
       </p:par>
     </p:tnLst>
   </p:timing>
@@ -5217,9 +5302,9 @@
           <a:bodyPr/>
           <a:lstStyle/>
           <a:p>
-            <a:fld id="{EC1F204B-656E-0747-8D25-7B7C5C06A4B8}" type="datetime1">
-              <a:rPr lang="en-US" smtClean="0"/>
-              <a:t>9/22/15</a:t>
+            <a:fld id="{EAD964FD-8438-3E4C-8DC8-F2C04E7E2D5B}" type="datetime1">
+              <a:rPr lang="en-US" smtClean="0"/>
+              <a:t>11/14/15</a:t>
             </a:fld>
             <a:endParaRPr lang="en-US"/>
           </a:p>
@@ -5242,7 +5327,7 @@
           <a:p>
             <a:r>
               <a:rPr lang="en-US" smtClean="0"/>
-              <a:t>Copyright © EV3Lessons.com 2015 (Last edit: 9/22/2015)</a:t>
+              <a:t>Copyright © EV3Lessons.com 2015 (Last edit: 11/14/2015)</a:t>
             </a:r>
             <a:endParaRPr lang="en-US"/>
           </a:p>
@@ -5471,9 +5556,9 @@
           <a:bodyPr/>
           <a:lstStyle/>
           <a:p>
-            <a:fld id="{171B77B7-E402-384D-A641-AD006442A591}" type="datetime1">
-              <a:rPr lang="en-US" smtClean="0"/>
-              <a:t>9/22/15</a:t>
+            <a:fld id="{3E5A6C56-32AA-B641-85F1-74D62CA09F46}" type="datetime1">
+              <a:rPr lang="en-US" smtClean="0"/>
+              <a:t>11/14/15</a:t>
             </a:fld>
             <a:endParaRPr lang="en-US"/>
           </a:p>
@@ -5496,7 +5581,7 @@
           <a:p>
             <a:r>
               <a:rPr lang="en-US" smtClean="0"/>
-              <a:t>Copyright © EV3Lessons.com 2015 (Last edit: 9/22/2015)</a:t>
+              <a:t>Copyright © EV3Lessons.com 2015 (Last edit: 11/14/2015)</a:t>
             </a:r>
             <a:endParaRPr lang="en-US"/>
           </a:p>
@@ -5777,9 +5862,9 @@
           <a:bodyPr/>
           <a:lstStyle/>
           <a:p>
-            <a:fld id="{D9B5BAA5-C4FC-5040-A6EA-0990473972FD}" type="datetime1">
-              <a:rPr lang="en-US" smtClean="0"/>
-              <a:t>9/22/15</a:t>
+            <a:fld id="{44F4AC1E-9729-7147-9ECF-9E7B6B69E947}" type="datetime1">
+              <a:rPr lang="en-US" smtClean="0"/>
+              <a:t>11/14/15</a:t>
             </a:fld>
             <a:endParaRPr lang="en-US"/>
           </a:p>
@@ -5802,7 +5887,7 @@
           <a:p>
             <a:r>
               <a:rPr lang="en-US" smtClean="0"/>
-              <a:t>Copyright © EV3Lessons.com 2015 (Last edit: 9/22/2015)</a:t>
+              <a:t>Copyright © EV3Lessons.com 2015 (Last edit: 11/14/2015)</a:t>
             </a:r>
             <a:endParaRPr lang="en-US"/>
           </a:p>
@@ -6083,9 +6168,9 @@
             </a:lvl1pPr>
           </a:lstStyle>
           <a:p>
-            <a:fld id="{C51BF14C-0C23-8145-B87B-6B15C9E6EA39}" type="datetime1">
-              <a:rPr lang="en-US" smtClean="0"/>
-              <a:t>9/22/15</a:t>
+            <a:fld id="{2F676CE2-3EE8-354F-B923-0AA8488C6ED8}" type="datetime1">
+              <a:rPr lang="en-US" smtClean="0"/>
+              <a:t>11/14/15</a:t>
             </a:fld>
             <a:endParaRPr lang="en-US"/>
           </a:p>
@@ -6124,7 +6209,7 @@
           <a:p>
             <a:r>
               <a:rPr lang="en-US" smtClean="0"/>
-              <a:t>Copyright © EV3Lessons.com 2015 (Last edit: 9/22/2015)</a:t>
+              <a:t>Copyright © EV3Lessons.com 2015 (Last edit: 11/14/2015)</a:t>
             </a:r>
             <a:endParaRPr lang="en-US" dirty="0"/>
           </a:p>
@@ -6294,7 +6379,7 @@
   <p:timing>
     <p:tnLst>
       <p:par>
-        <p:cTn xmlns:p14="http://schemas.microsoft.com/office/powerpoint/2010/main" id="1" dur="indefinite" restart="never" nodeType="tmRoot"/>
+        <p:cTn id="1" dur="indefinite" restart="never" nodeType="tmRoot"/>
       </p:par>
     </p:tnLst>
   </p:timing>
@@ -6729,9 +6814,9 @@
             </a:lvl1pPr>
           </a:lstStyle>
           <a:p>
-            <a:fld id="{BBE75C5C-58CF-1943-9D9F-B2EA5B1BC003}" type="datetime1">
-              <a:rPr lang="en-US" smtClean="0"/>
-              <a:t>9/22/15</a:t>
+            <a:fld id="{E585710A-6085-B441-B442-516A904B4789}" type="datetime1">
+              <a:rPr lang="en-US" smtClean="0"/>
+              <a:t>11/14/15</a:t>
             </a:fld>
             <a:endParaRPr lang="en-US"/>
           </a:p>
@@ -6772,7 +6857,7 @@
           <a:p>
             <a:r>
               <a:rPr lang="en-US" smtClean="0"/>
-              <a:t>Copyright © EV3Lessons.com 2015 (Last edit: 9/22/2015)</a:t>
+              <a:t>Copyright © EV3Lessons.com 2015 (Last edit: 11/14/2015)</a:t>
             </a:r>
             <a:endParaRPr lang="en-US"/>
           </a:p>
@@ -7207,7 +7292,7 @@
           <a:noFill/>
           <a:extLst>
             <a:ext uri="{909E8E84-426E-40dd-AFC4-6F175D3DCCD1}">
-              <a14:hiddenFill xmlns:a14="http://schemas.microsoft.com/office/drawing/2010/main">
+              <a14:hiddenFill xmlns:a14="http://schemas.microsoft.com/office/drawing/2010/main" xmlns="">
                 <a:solidFill>
                   <a:srgbClr val="FFFFFF"/>
                 </a:solidFill>
@@ -7229,7 +7314,7 @@
   <p:timing>
     <p:tnLst>
       <p:par>
-        <p:cTn xmlns:p14="http://schemas.microsoft.com/office/powerpoint/2010/main" id="1" dur="indefinite" restart="never" nodeType="tmRoot"/>
+        <p:cTn id="1" dur="indefinite" restart="never" nodeType="tmRoot"/>
       </p:par>
     </p:tnLst>
   </p:timing>
@@ -7289,7 +7374,7 @@
         <p:spPr/>
         <p:txBody>
           <a:bodyPr>
-            <a:normAutofit lnSpcReduction="10000"/>
+            <a:normAutofit fontScale="85000" lnSpcReduction="20000"/>
           </a:bodyPr>
           <a:lstStyle/>
           <a:p>
@@ -7379,15 +7464,7 @@
             </a:r>
             <a:r>
               <a:rPr lang="en-US" b="0" dirty="0" smtClean="0"/>
-              <a:t>systems, proportional line followers, </a:t>
-            </a:r>
-            <a:r>
-              <a:rPr lang="en-US" b="0" dirty="0" smtClean="0"/>
-              <a:t>squaring on lines and </a:t>
-            </a:r>
-            <a:r>
-              <a:rPr lang="en-US" b="0" dirty="0" smtClean="0"/>
-              <a:t>stall detection techniques.</a:t>
+              <a:t>systems, proportional line followers, squaring on lines and stall detection techniques.</a:t>
             </a:r>
           </a:p>
           <a:p>
@@ -7397,7 +7474,31 @@
             </a:pPr>
             <a:r>
               <a:rPr lang="en-US" b="0" dirty="0" smtClean="0"/>
-              <a:t>Beginner Lessons are designed to be done in order. Intermediate and Advanced Lessons may be done out of order.  Lessons usually mention specific pre-requisites when needed.</a:t>
+              <a:t>Beginner Lessons are designed to be done in order. Intermediate and Advanced Lessons may be done out of order.  Lessons usually mention specific pre-requisites when needed</a:t>
+            </a:r>
+            <a:r>
+              <a:rPr lang="en-US" b="0" dirty="0" smtClean="0"/>
+              <a:t>.</a:t>
+            </a:r>
+          </a:p>
+          <a:p>
+            <a:pPr marL="457200" indent="-457200">
+              <a:buFont typeface="Arial"/>
+              <a:buChar char="•"/>
+            </a:pPr>
+            <a:r>
+              <a:rPr lang="en-US" b="0" dirty="0" smtClean="0"/>
+              <a:t>If you print the lessons out, make sure to return to the site often to check the date on the bottom of the page to make sure you have the latest version of the lesson.</a:t>
+            </a:r>
+          </a:p>
+          <a:p>
+            <a:pPr marL="457200" indent="-457200">
+              <a:buFont typeface="Arial"/>
+              <a:buChar char="•"/>
+            </a:pPr>
+            <a:r>
+              <a:rPr lang="en-US" b="0" dirty="0" smtClean="0"/>
+              <a:t>To be notified of updates, new lessons and more, go to Contacts.</a:t>
             </a:r>
             <a:endParaRPr lang="en-US" b="0" dirty="0"/>
           </a:p>
@@ -7441,14 +7542,19 @@
             <p:ph type="ftr" sz="quarter" idx="11"/>
           </p:nvPr>
         </p:nvSpPr>
-        <p:spPr/>
-        <p:txBody>
-          <a:bodyPr/>
-          <a:lstStyle/>
-          <a:p>
-            <a:r>
-              <a:rPr lang="en-US" smtClean="0"/>
-              <a:t>Copyright © EV3Lessons.com 2015 (Last edit: 9/22/2015)</a:t>
+        <p:spPr>
+          <a:xfrm>
+            <a:off x="457200" y="6492875"/>
+            <a:ext cx="3862552" cy="283845"/>
+          </a:xfrm>
+        </p:spPr>
+        <p:txBody>
+          <a:bodyPr/>
+          <a:lstStyle/>
+          <a:p>
+            <a:r>
+              <a:rPr lang="en-US" smtClean="0"/>
+              <a:t>Copyright © EV3Lessons.com 2015 (Last edit: 11/14/2015)</a:t>
             </a:r>
             <a:endParaRPr lang="en-US"/>
           </a:p>
@@ -7501,11 +7607,7 @@
           <a:p>
             <a:r>
               <a:rPr lang="en-US" dirty="0" smtClean="0"/>
-              <a:t>Lesson </a:t>
-            </a:r>
-            <a:r>
-              <a:rPr lang="en-US" dirty="0" smtClean="0"/>
-              <a:t>Structure</a:t>
+              <a:t>Lesson Structure</a:t>
             </a:r>
             <a:endParaRPr lang="en-US" dirty="0"/>
           </a:p>
@@ -7532,11 +7634,7 @@
             </a:pPr>
             <a:r>
               <a:rPr lang="en-US" dirty="0" smtClean="0"/>
-              <a:t>Each lesson starts with a list of objectives and ends with a </a:t>
-            </a:r>
-            <a:r>
-              <a:rPr lang="en-US" dirty="0" smtClean="0"/>
-              <a:t>challenge</a:t>
+              <a:t>Each lesson starts with a list of objectives and ends with a challenge</a:t>
             </a:r>
           </a:p>
           <a:p>
@@ -7546,11 +7644,7 @@
             </a:pPr>
             <a:r>
               <a:rPr lang="en-US" dirty="0" smtClean="0"/>
-              <a:t>In most lessons, we</a:t>
-            </a:r>
-            <a:r>
-              <a:rPr lang="en-US" dirty="0" smtClean="0"/>
-              <a:t> provide hints in the form of </a:t>
+              <a:t>In most lessons, we provide hints in the form of </a:t>
             </a:r>
             <a:r>
               <a:rPr lang="en-US" dirty="0" err="1" smtClean="0"/>
@@ -7578,7 +7672,6 @@
               <a:rPr lang="en-US" dirty="0" smtClean="0"/>
               <a:t>We provide a challenge solution as well (both as a screenshot as well as in EV3 Code)</a:t>
             </a:r>
-            <a:endParaRPr lang="en-US" dirty="0" smtClean="0"/>
           </a:p>
           <a:p>
             <a:pPr marL="457200" indent="-457200">
@@ -7597,36 +7690,36 @@
             </a:pPr>
             <a:r>
               <a:rPr lang="en-US" dirty="0" smtClean="0"/>
-              <a:t>Many lessons have companion worksheets for students.  More will be added over time</a:t>
-            </a:r>
+              <a:t>Many lessons have companion worksheets for students.  More will be added over time.</a:t>
+            </a:r>
+          </a:p>
+        </p:txBody>
+      </p:sp>
+      <p:sp>
+        <p:nvSpPr>
+          <p:cNvPr id="4" name="Footer Placeholder 3"/>
+          <p:cNvSpPr>
+            <a:spLocks noGrp="1"/>
+          </p:cNvSpPr>
+          <p:nvPr>
+            <p:ph type="ftr" sz="quarter" idx="11"/>
+          </p:nvPr>
+        </p:nvSpPr>
+        <p:spPr>
+          <a:xfrm>
+            <a:off x="457199" y="6492875"/>
+            <a:ext cx="4009697" cy="283845"/>
+          </a:xfrm>
+        </p:spPr>
+        <p:txBody>
+          <a:bodyPr/>
+          <a:lstStyle/>
+          <a:p>
             <a:r>
               <a:rPr lang="en-US" dirty="0" smtClean="0"/>
-              <a:t>.</a:t>
-            </a:r>
-            <a:endParaRPr lang="en-US" dirty="0" smtClean="0"/>
-          </a:p>
-        </p:txBody>
-      </p:sp>
-      <p:sp>
-        <p:nvSpPr>
-          <p:cNvPr id="4" name="Footer Placeholder 3"/>
-          <p:cNvSpPr>
-            <a:spLocks noGrp="1"/>
-          </p:cNvSpPr>
-          <p:nvPr>
-            <p:ph type="ftr" sz="quarter" idx="11"/>
-          </p:nvPr>
-        </p:nvSpPr>
-        <p:spPr/>
-        <p:txBody>
-          <a:bodyPr/>
-          <a:lstStyle/>
-          <a:p>
-            <a:r>
-              <a:rPr lang="en-US" smtClean="0"/>
-              <a:t>Copyright © EV3Lessons.com 2015 (Last edit: 9/22/2015)</a:t>
-            </a:r>
-            <a:endParaRPr lang="en-US"/>
+              <a:t>Copyright © EV3Lessons.com 2015 (Last edit: 11/14/2015)</a:t>
+            </a:r>
+            <a:endParaRPr lang="en-US" dirty="0"/>
           </a:p>
         </p:txBody>
       </p:sp>
@@ -7693,14 +7786,14 @@
             <p:ph idx="1"/>
             <p:extLst>
               <p:ext uri="{D42A27DB-BD31-4B8C-83A1-F6EECF244321}">
-                <p14:modId xmlns:p14="http://schemas.microsoft.com/office/powerpoint/2010/main" val="3983457710"/>
+                <p14:modId xmlns:p14="http://schemas.microsoft.com/office/powerpoint/2010/main" val="694930149"/>
               </p:ext>
             </p:extLst>
           </p:nvPr>
         </p:nvGraphicFramePr>
         <p:xfrm>
-          <a:off x="378639" y="1021335"/>
-          <a:ext cx="8245476" cy="5462801"/>
+          <a:off x="378639" y="853173"/>
+          <a:ext cx="8245476" cy="5569702"/>
         </p:xfrm>
         <a:graphic>
           <a:graphicData uri="http://schemas.openxmlformats.org/drawingml/2006/table">
@@ -7713,7 +7806,7 @@
                 <a:gridCol w="2748492"/>
                 <a:gridCol w="2748492"/>
               </a:tblGrid>
-              <a:tr h="1741506">
+              <a:tr h="1637782">
                 <a:tc>
                   <a:txBody>
                     <a:bodyPr/>
@@ -7815,11 +7908,7 @@
                       </a:pPr>
                       <a:r>
                         <a:rPr lang="en-US" sz="1400" dirty="0" smtClean="0"/>
-                        <a:t>Introduction </a:t>
-                      </a:r>
-                      <a:r>
-                        <a:rPr lang="en-US" sz="1400" dirty="0" smtClean="0"/>
-                        <a:t>to Brick/Software</a:t>
+                        <a:t>Introduction to Brick/Software</a:t>
                       </a:r>
                     </a:p>
                     <a:p>
@@ -7839,6 +7928,17 @@
                         <a:rPr lang="en-US" sz="1400" baseline="0" dirty="0" smtClean="0"/>
                         <a:t>Straight</a:t>
                       </a:r>
+                    </a:p>
+                    <a:p>
+                      <a:pPr marL="285750" indent="-285750">
+                        <a:buFont typeface="Arial"/>
+                        <a:buChar char="•"/>
+                      </a:pPr>
+                      <a:r>
+                        <a:rPr lang="en-US" sz="1400" baseline="0" dirty="0" smtClean="0"/>
+                        <a:t>Port View</a:t>
+                      </a:r>
+                      <a:endParaRPr lang="en-US" sz="1400" baseline="0" dirty="0" smtClean="0"/>
                     </a:p>
                     <a:p>
                       <a:pPr marL="285750" indent="-285750">
@@ -7928,8 +8028,23 @@
                       </a:pPr>
                       <a:r>
                         <a:rPr lang="en-US" sz="1400" baseline="0" dirty="0" smtClean="0"/>
-                        <a:t>Basic Line Follower</a:t>
+                        <a:t>Basic Line </a:t>
                       </a:r>
+                      <a:r>
+                        <a:rPr lang="en-US" sz="1400" baseline="0" dirty="0" smtClean="0"/>
+                        <a:t>Follower</a:t>
+                      </a:r>
+                    </a:p>
+                    <a:p>
+                      <a:pPr marL="285750" indent="-285750">
+                        <a:buFont typeface="Arial"/>
+                        <a:buChar char="•"/>
+                      </a:pPr>
+                      <a:r>
+                        <a:rPr lang="en-US" sz="1400" baseline="0" dirty="0" smtClean="0"/>
+                        <a:t>Moving an Object</a:t>
+                      </a:r>
+                      <a:endParaRPr lang="en-US" sz="1400" baseline="0" dirty="0" smtClean="0"/>
                     </a:p>
                     <a:p>
                       <a:pPr marL="285750" indent="-285750">
@@ -7969,8 +8084,45 @@
                       </a:pPr>
                       <a:r>
                         <a:rPr lang="en-US" sz="1400" dirty="0" smtClean="0"/>
-                        <a:t>My Blocks with Inputs and Outputs</a:t>
+                        <a:t>Brick Buttons as Sensors</a:t>
                       </a:r>
+                    </a:p>
+                    <a:p>
+                      <a:pPr marL="285750" indent="-285750">
+                        <a:buFont typeface="Arial"/>
+                        <a:buChar char="•"/>
+                      </a:pPr>
+                      <a:r>
+                        <a:rPr lang="en-US" sz="1400" dirty="0" smtClean="0"/>
+                        <a:t>Data Wires</a:t>
+                      </a:r>
+                    </a:p>
+                    <a:p>
+                      <a:pPr marL="285750" indent="-285750">
+                        <a:buFont typeface="Arial"/>
+                        <a:buChar char="•"/>
+                      </a:pPr>
+                      <a:r>
+                        <a:rPr lang="en-US" sz="1400" dirty="0" smtClean="0"/>
+                        <a:t>My </a:t>
+                      </a:r>
+                      <a:r>
+                        <a:rPr lang="en-US" sz="1400" dirty="0" smtClean="0"/>
+                        <a:t>Blocks with </a:t>
+                      </a:r>
+                      <a:r>
+                        <a:rPr lang="en-US" sz="1400" dirty="0" smtClean="0"/>
+                        <a:t>Inputs</a:t>
+                      </a:r>
+                      <a:r>
+                        <a:rPr lang="en-US" sz="1400" baseline="0" dirty="0" smtClean="0"/>
+                        <a:t> and </a:t>
+                      </a:r>
+                      <a:r>
+                        <a:rPr lang="en-US" sz="1400" dirty="0" smtClean="0"/>
+                        <a:t>Outputs</a:t>
+                      </a:r>
+                      <a:endParaRPr lang="en-US" sz="1400" dirty="0" smtClean="0"/>
                     </a:p>
                     <a:p>
                       <a:pPr marL="285750" indent="-285750">
@@ -8012,11 +8164,7 @@
                       </a:r>
                       <a:r>
                         <a:rPr lang="en-US" sz="1400" dirty="0" smtClean="0"/>
-                        <a:t>Follower with My </a:t>
-                      </a:r>
-                      <a:r>
-                        <a:rPr lang="en-US" sz="1400" dirty="0" smtClean="0"/>
-                        <a:t>Blocks</a:t>
+                        <a:t>Follower with My Blocks</a:t>
                       </a:r>
                     </a:p>
                     <a:p>
@@ -8075,21 +8223,11 @@
                       </a:pPr>
                       <a:r>
                         <a:rPr lang="en-US" sz="1400" baseline="0" dirty="0" smtClean="0"/>
-                        <a:t>Intermediate Menu System</a:t>
-                      </a:r>
-                    </a:p>
-                    <a:p>
-                      <a:pPr marL="285750" indent="-285750">
-                        <a:buFont typeface="Arial"/>
-                        <a:buChar char="•"/>
-                      </a:pPr>
-                      <a:r>
-                        <a:rPr lang="en-US" sz="1400" baseline="0" dirty="0" smtClean="0"/>
-                        <a:t>Color Sensor </a:t>
+                        <a:t>Color </a:t>
                       </a:r>
                       <a:r>
                         <a:rPr lang="en-US" sz="1400" baseline="0" dirty="0" smtClean="0"/>
-                        <a:t>Calibration</a:t>
+                        <a:t>Sensor Calibration</a:t>
                       </a:r>
                     </a:p>
                     <a:p>
@@ -8101,7 +8239,6 @@
                         <a:rPr lang="en-US" sz="1400" baseline="0" dirty="0" smtClean="0"/>
                         <a:t>Variables</a:t>
                       </a:r>
-                      <a:endParaRPr lang="en-US" sz="1400" baseline="0" dirty="0" smtClean="0"/>
                     </a:p>
                     <a:p>
                       <a:pPr marL="285750" indent="-285750">
@@ -8110,7 +8247,21 @@
                       </a:pPr>
                       <a:r>
                         <a:rPr lang="en-US" sz="1400" baseline="0" dirty="0" smtClean="0"/>
-                        <a:t>Parallel Beams</a:t>
+                        <a:t>Logic Operations and Decision Making</a:t>
+                      </a:r>
+                    </a:p>
+                    <a:p>
+                      <a:pPr marL="285750" indent="-285750">
+                        <a:buFont typeface="Arial"/>
+                        <a:buChar char="•"/>
+                      </a:pPr>
+                      <a:r>
+                        <a:rPr lang="en-US" sz="1400" baseline="0" dirty="0" smtClean="0"/>
+                        <a:t>Parallel </a:t>
+                      </a:r>
+                      <a:r>
+                        <a:rPr lang="en-US" sz="1400" baseline="0" dirty="0" smtClean="0"/>
+                        <a:t>Beams</a:t>
                       </a:r>
                     </a:p>
                     <a:p>
@@ -8146,8 +8297,9 @@
                       </a:r>
                       <a:r>
                         <a:rPr lang="en-US" sz="1400" baseline="0" dirty="0" smtClean="0"/>
-                        <a:t>Sync</a:t>
+                        <a:t>Synchronization</a:t>
                       </a:r>
+                      <a:endParaRPr lang="en-US" sz="1400" baseline="0" dirty="0" smtClean="0"/>
                     </a:p>
                     <a:p>
                       <a:pPr marL="285750" indent="-285750">
@@ -8158,7 +8310,6 @@
                         <a:rPr lang="en-US" sz="1400" baseline="0" dirty="0" smtClean="0"/>
                         <a:t>Arrays</a:t>
                       </a:r>
-                      <a:endParaRPr lang="en-US" sz="1400" baseline="0" dirty="0" smtClean="0"/>
                     </a:p>
                     <a:p>
                       <a:pPr marL="285750" indent="-285750">
@@ -8177,11 +8328,7 @@
                       </a:pPr>
                       <a:r>
                         <a:rPr lang="en-US" sz="1400" baseline="0" dirty="0" smtClean="0"/>
-                        <a:t>Proportional Line </a:t>
-                      </a:r>
-                      <a:r>
-                        <a:rPr lang="en-US" sz="1400" baseline="0" dirty="0" smtClean="0"/>
-                        <a:t>Follower</a:t>
+                        <a:t>Proportional Line Follower</a:t>
                       </a:r>
                     </a:p>
                     <a:p>
@@ -8203,7 +8350,6 @@
                         <a:rPr lang="en-US" sz="1400" baseline="0" dirty="0" smtClean="0"/>
                         <a:t>Ramping Up</a:t>
                       </a:r>
-                      <a:endParaRPr lang="en-US" sz="1400" baseline="0" dirty="0" smtClean="0"/>
                     </a:p>
                     <a:p>
                       <a:pPr marL="285750" indent="-285750">
@@ -8214,7 +8360,6 @@
                         <a:rPr lang="en-US" sz="1400" baseline="0" dirty="0" smtClean="0"/>
                         <a:t>Gyro Sensor</a:t>
                       </a:r>
-                      <a:endParaRPr lang="en-US" sz="1400" baseline="0" dirty="0" smtClean="0"/>
                     </a:p>
                     <a:p>
                       <a:pPr marL="285750" indent="-285750">
@@ -8223,11 +8368,21 @@
                       </a:pPr>
                       <a:r>
                         <a:rPr lang="en-US" sz="1400" baseline="0" dirty="0" smtClean="0"/>
-                        <a:t>Gyro </a:t>
+                        <a:t>Gyro Sensor </a:t>
                       </a:r>
                       <a:r>
                         <a:rPr lang="en-US" sz="1400" baseline="0" dirty="0" smtClean="0"/>
-                        <a:t>Sensor Turns</a:t>
+                        <a:t>Turns</a:t>
+                      </a:r>
+                    </a:p>
+                    <a:p>
+                      <a:pPr marL="285750" indent="-285750">
+                        <a:buFont typeface="Arial"/>
+                        <a:buChar char="•"/>
+                      </a:pPr>
+                      <a:r>
+                        <a:rPr lang="en-US" sz="1400" baseline="0" dirty="0" smtClean="0"/>
+                        <a:t>Gyro Move Straight and Wall Follow</a:t>
                       </a:r>
                       <a:endParaRPr lang="en-US" sz="1400" baseline="0" dirty="0" smtClean="0"/>
                     </a:p>
@@ -8244,6 +8399,7 @@
                         <a:rPr lang="en-US" sz="1400" baseline="0" dirty="0" smtClean="0"/>
                         <a:t>Lines</a:t>
                       </a:r>
+                      <a:endParaRPr lang="en-US" sz="1400" baseline="0" dirty="0" smtClean="0"/>
                     </a:p>
                     <a:p>
                       <a:pPr marL="285750" indent="-285750">
@@ -8252,31 +8408,7 @@
                       </a:pPr>
                       <a:r>
                         <a:rPr lang="en-US" sz="1400" baseline="0" dirty="0" smtClean="0"/>
-                        <a:t>Gyro Sensor: Move Straight and Wall Follow</a:t>
-                      </a:r>
-                    </a:p>
-                    <a:p>
-                      <a:pPr marL="285750" indent="-285750">
-                        <a:buFont typeface="Arial"/>
-                        <a:buChar char="•"/>
-                      </a:pPr>
-                      <a:r>
-                        <a:rPr lang="en-US" sz="1400" baseline="0" dirty="0" smtClean="0"/>
-                        <a:t>Squaring on Lines</a:t>
-                      </a:r>
-                    </a:p>
-                    <a:p>
-                      <a:pPr marL="285750" indent="-285750">
-                        <a:buFont typeface="Arial"/>
-                        <a:buChar char="•"/>
-                      </a:pPr>
-                      <a:r>
-                        <a:rPr lang="en-US" sz="1400" baseline="0" dirty="0" smtClean="0"/>
-                        <a:t>Stall </a:t>
-                      </a:r>
-                      <a:r>
-                        <a:rPr lang="en-US" sz="1400" baseline="0" dirty="0" smtClean="0"/>
-                        <a:t>Detection</a:t>
+                        <a:t>Stall Detection</a:t>
                       </a:r>
                     </a:p>
                     <a:p>
@@ -8292,6 +8424,16 @@
                         <a:rPr lang="en-US" sz="1400" baseline="0" dirty="0" smtClean="0"/>
                         <a:t>System</a:t>
                       </a:r>
+                    </a:p>
+                    <a:p>
+                      <a:pPr marL="285750" indent="-285750">
+                        <a:buFont typeface="Arial"/>
+                        <a:buChar char="•"/>
+                      </a:pPr>
+                      <a:r>
+                        <a:rPr lang="en-US" sz="1400" baseline="0" dirty="0" smtClean="0"/>
+                        <a:t>Data Logging</a:t>
+                      </a:r>
                       <a:endParaRPr lang="en-US" sz="1400" dirty="0"/>
                     </a:p>
                   </a:txBody>
@@ -8316,14 +8458,19 @@
             <p:ph type="ftr" sz="quarter" idx="11"/>
           </p:nvPr>
         </p:nvSpPr>
-        <p:spPr/>
-        <p:txBody>
-          <a:bodyPr/>
-          <a:lstStyle/>
-          <a:p>
-            <a:r>
-              <a:rPr lang="en-US" smtClean="0"/>
-              <a:t>Copyright © EV3Lessons.com 2015 (Last edit: 9/22/2015)</a:t>
+        <p:spPr>
+          <a:xfrm>
+            <a:off x="457199" y="6492875"/>
+            <a:ext cx="3894083" cy="283845"/>
+          </a:xfrm>
+        </p:spPr>
+        <p:txBody>
+          <a:bodyPr/>
+          <a:lstStyle/>
+          <a:p>
+            <a:r>
+              <a:rPr lang="en-US" smtClean="0"/>
+              <a:t>Copyright © EV3Lessons.com 2015 (Last edit: 11/14/2015)</a:t>
             </a:r>
             <a:endParaRPr lang="en-US"/>
           </a:p>
@@ -8338,14 +8485,14 @@
           <p:nvPr/>
         </p:nvPicPr>
         <p:blipFill>
-          <a:blip r:embed="rId2"/>
+          <a:blip r:embed="rId3"/>
           <a:stretch>
             <a:fillRect/>
           </a:stretch>
         </p:blipFill>
         <p:spPr>
           <a:xfrm>
-            <a:off x="4180265" y="1387967"/>
+            <a:off x="4180265" y="1219805"/>
             <a:ext cx="579189" cy="1174693"/>
           </a:xfrm>
           <a:prstGeom prst="rect">
@@ -8362,14 +8509,14 @@
           <p:nvPr/>
         </p:nvPicPr>
         <p:blipFill>
-          <a:blip r:embed="rId3"/>
+          <a:blip r:embed="rId4"/>
           <a:stretch>
             <a:fillRect/>
           </a:stretch>
         </p:blipFill>
         <p:spPr>
           <a:xfrm>
-            <a:off x="6981827" y="1387967"/>
+            <a:off x="6981827" y="1219805"/>
             <a:ext cx="571031" cy="1207323"/>
           </a:xfrm>
           <a:prstGeom prst="rect">
@@ -8386,14 +8533,14 @@
           <p:nvPr/>
         </p:nvPicPr>
         <p:blipFill>
-          <a:blip r:embed="rId4"/>
+          <a:blip r:embed="rId5"/>
           <a:stretch>
             <a:fillRect/>
           </a:stretch>
         </p:blipFill>
         <p:spPr>
           <a:xfrm>
-            <a:off x="1469964" y="1387967"/>
+            <a:off x="1469964" y="1219805"/>
             <a:ext cx="579189" cy="1174693"/>
           </a:xfrm>
           <a:prstGeom prst="rect">
@@ -8453,7 +8600,7 @@
         </p:blipFill>
         <p:spPr>
           <a:xfrm>
-            <a:off x="4124838" y="2445077"/>
+            <a:off x="1784559" y="1847416"/>
             <a:ext cx="2606409" cy="3315352"/>
           </a:xfrm>
           <a:prstGeom prst="rect">
@@ -8461,9 +8608,120 @@
           </a:prstGeom>
         </p:spPr>
       </p:pic>
+      <p:sp>
+        <p:nvSpPr>
+          <p:cNvPr id="2" name="Title 1"/>
+          <p:cNvSpPr>
+            <a:spLocks noGrp="1"/>
+          </p:cNvSpPr>
+          <p:nvPr>
+            <p:ph type="title"/>
+          </p:nvPr>
+        </p:nvSpPr>
+        <p:spPr/>
+        <p:txBody>
+          <a:bodyPr/>
+          <a:lstStyle/>
+          <a:p>
+            <a:r>
+              <a:rPr lang="en-US" dirty="0" smtClean="0"/>
+              <a:t>Quick </a:t>
+            </a:r>
+            <a:r>
+              <a:rPr lang="en-US" dirty="0" smtClean="0"/>
+              <a:t>guides</a:t>
+            </a:r>
+            <a:endParaRPr lang="en-US" dirty="0"/>
+          </a:p>
+        </p:txBody>
+      </p:sp>
+      <p:sp>
+        <p:nvSpPr>
+          <p:cNvPr id="3" name="Content Placeholder 2"/>
+          <p:cNvSpPr>
+            <a:spLocks noGrp="1"/>
+          </p:cNvSpPr>
+          <p:nvPr>
+            <p:ph idx="1"/>
+          </p:nvPr>
+        </p:nvSpPr>
+        <p:spPr>
+          <a:xfrm>
+            <a:off x="457199" y="1081444"/>
+            <a:ext cx="8245474" cy="4373563"/>
+          </a:xfrm>
+        </p:spPr>
+        <p:txBody>
+          <a:bodyPr/>
+          <a:lstStyle/>
+          <a:p>
+            <a:r>
+              <a:rPr lang="en-US" dirty="0" smtClean="0"/>
+              <a:t>These provide quick </a:t>
+            </a:r>
+            <a:r>
+              <a:rPr lang="en-US" dirty="0" smtClean="0"/>
+              <a:t>information on a variety of useful </a:t>
+            </a:r>
+            <a:r>
+              <a:rPr lang="en-US" smtClean="0"/>
+              <a:t>topics. </a:t>
+            </a:r>
+            <a:r>
+              <a:rPr lang="en-US" dirty="0" smtClean="0"/>
+              <a:t>Use </a:t>
+            </a:r>
+            <a:r>
+              <a:rPr lang="en-US" dirty="0" smtClean="0"/>
+              <a:t>them </a:t>
+            </a:r>
+            <a:r>
+              <a:rPr lang="en-US" dirty="0" smtClean="0"/>
+              <a:t>as you need – as </a:t>
+            </a:r>
+            <a:r>
+              <a:rPr lang="en-US" dirty="0" smtClean="0"/>
+              <a:t>handouts or as </a:t>
+            </a:r>
+            <a:r>
+              <a:rPr lang="en-US" dirty="0" smtClean="0"/>
+              <a:t>discussion guides</a:t>
+            </a:r>
+            <a:endParaRPr lang="en-US" dirty="0"/>
+          </a:p>
+        </p:txBody>
+      </p:sp>
+      <p:sp>
+        <p:nvSpPr>
+          <p:cNvPr id="4" name="Footer Placeholder 3"/>
+          <p:cNvSpPr>
+            <a:spLocks noGrp="1"/>
+          </p:cNvSpPr>
+          <p:nvPr>
+            <p:ph type="ftr" sz="quarter" idx="11"/>
+          </p:nvPr>
+        </p:nvSpPr>
+        <p:spPr>
+          <a:xfrm>
+            <a:off x="457200" y="6492875"/>
+            <a:ext cx="3820510" cy="283845"/>
+          </a:xfrm>
+        </p:spPr>
+        <p:txBody>
+          <a:bodyPr/>
+          <a:lstStyle/>
+          <a:p>
+            <a:r>
+              <a:rPr lang="en-US" smtClean="0"/>
+              <a:t>Copyright © EV3Lessons.com 2015 (Last edit: 11/14/2015)</a:t>
+            </a:r>
+            <a:endParaRPr lang="en-US"/>
+          </a:p>
+        </p:txBody>
+      </p:sp>
       <p:pic>
         <p:nvPicPr>
-          <p:cNvPr id="8" name="Picture 7" descr="Screen Shot 2015-09-11 at 8.53.29 PM.png"/>
+          <p:cNvPr id="7" name="Picture 6" descr="Screen Shot 2015-09-11 at 8.53.44 PM.png"/>
           <p:cNvPicPr>
             <a:picLocks noChangeAspect="1"/>
           </p:cNvPicPr>
@@ -8483,97 +8741,17 @@
         </p:blipFill>
         <p:spPr>
           <a:xfrm>
-            <a:off x="5823430" y="3091700"/>
-            <a:ext cx="2598207" cy="3284758"/>
+            <a:off x="457199" y="2030154"/>
+            <a:ext cx="2565318" cy="3284758"/>
           </a:xfrm>
           <a:prstGeom prst="rect">
             <a:avLst/>
           </a:prstGeom>
         </p:spPr>
       </p:pic>
-      <p:sp>
-        <p:nvSpPr>
-          <p:cNvPr id="2" name="Title 1"/>
-          <p:cNvSpPr>
-            <a:spLocks noGrp="1"/>
-          </p:cNvSpPr>
-          <p:nvPr>
-            <p:ph type="title"/>
-          </p:nvPr>
-        </p:nvSpPr>
-        <p:spPr/>
-        <p:txBody>
-          <a:bodyPr/>
-          <a:lstStyle/>
-          <a:p>
-            <a:r>
-              <a:rPr lang="en-US" dirty="0" smtClean="0"/>
-              <a:t>Quick guides IN RESOURCES</a:t>
-            </a:r>
-            <a:endParaRPr lang="en-US" dirty="0"/>
-          </a:p>
-        </p:txBody>
-      </p:sp>
-      <p:sp>
-        <p:nvSpPr>
-          <p:cNvPr id="3" name="Content Placeholder 2"/>
-          <p:cNvSpPr>
-            <a:spLocks noGrp="1"/>
-          </p:cNvSpPr>
-          <p:nvPr>
-            <p:ph idx="1"/>
-          </p:nvPr>
-        </p:nvSpPr>
-        <p:spPr>
-          <a:xfrm>
-            <a:off x="457200" y="1124087"/>
-            <a:ext cx="8245474" cy="4373563"/>
-          </a:xfrm>
-        </p:spPr>
-        <p:txBody>
-          <a:bodyPr/>
-          <a:lstStyle/>
-          <a:p>
-            <a:r>
-              <a:rPr lang="en-US" dirty="0" smtClean="0"/>
-              <a:t>These provide quick responses to important topics and questions that are common.</a:t>
-            </a:r>
-          </a:p>
-          <a:p>
-            <a:r>
-              <a:rPr lang="en-US" dirty="0" smtClean="0"/>
-              <a:t>Use them as you need – as handouts, as discussion guides</a:t>
-            </a:r>
-            <a:endParaRPr lang="en-US" dirty="0"/>
-          </a:p>
-        </p:txBody>
-      </p:sp>
-      <p:sp>
-        <p:nvSpPr>
-          <p:cNvPr id="4" name="Footer Placeholder 3"/>
-          <p:cNvSpPr>
-            <a:spLocks noGrp="1"/>
-          </p:cNvSpPr>
-          <p:nvPr>
-            <p:ph type="ftr" sz="quarter" idx="11"/>
-          </p:nvPr>
-        </p:nvSpPr>
-        <p:spPr/>
-        <p:txBody>
-          <a:bodyPr/>
-          <a:lstStyle/>
-          <a:p>
-            <a:r>
-              <a:rPr lang="en-US" smtClean="0"/>
-              <a:t>Copyright © EV3Lessons.com 2015 (Last edit: 9/22/2015)</a:t>
-            </a:r>
-            <a:endParaRPr lang="en-US"/>
-          </a:p>
-        </p:txBody>
-      </p:sp>
       <p:pic>
         <p:nvPicPr>
-          <p:cNvPr id="6" name="Picture 5" descr="Screen Shot 2015-09-20 at 11.59.17 AM.png"/>
+          <p:cNvPr id="8" name="Picture 7" descr="Screen Shot 2015-09-11 at 8.53.29 PM.png"/>
           <p:cNvPicPr>
             <a:picLocks noChangeAspect="1"/>
           </p:cNvPicPr>
@@ -8593,17 +8771,276 @@
         </p:blipFill>
         <p:spPr>
           <a:xfrm>
-            <a:off x="549916" y="2445076"/>
-            <a:ext cx="2566277" cy="3315352"/>
+            <a:off x="1480168" y="2710505"/>
+            <a:ext cx="2598207" cy="3284758"/>
           </a:xfrm>
           <a:prstGeom prst="rect">
             <a:avLst/>
           </a:prstGeom>
         </p:spPr>
       </p:pic>
+      <p:sp>
+        <p:nvSpPr>
+          <p:cNvPr id="5" name="TextBox 4"/>
+          <p:cNvSpPr txBox="1"/>
+          <p:nvPr/>
+        </p:nvSpPr>
+        <p:spPr>
+          <a:xfrm>
+            <a:off x="4765318" y="1998718"/>
+            <a:ext cx="3615558" cy="4339650"/>
+          </a:xfrm>
+          <a:prstGeom prst="rect">
+            <a:avLst/>
+          </a:prstGeom>
+          <a:noFill/>
+        </p:spPr>
+        <p:txBody>
+          <a:bodyPr wrap="square" rtlCol="0">
+            <a:spAutoFit/>
+          </a:bodyPr>
+          <a:lstStyle/>
+          <a:p>
+            <a:pPr marL="228600" indent="-228600">
+              <a:buFont typeface="+mj-lt"/>
+              <a:buAutoNum type="arabicPeriod"/>
+            </a:pPr>
+            <a:r>
+              <a:rPr lang="en-US" sz="1200" dirty="0" smtClean="0"/>
+              <a:t>Cable Management 1</a:t>
+            </a:r>
+          </a:p>
+          <a:p>
+            <a:pPr marL="228600" indent="-228600">
+              <a:buFont typeface="+mj-lt"/>
+              <a:buAutoNum type="arabicPeriod"/>
+            </a:pPr>
+            <a:r>
+              <a:rPr lang="en-US" sz="1200" dirty="0" smtClean="0"/>
+              <a:t>Cable Management 2</a:t>
+            </a:r>
+          </a:p>
+          <a:p>
+            <a:pPr marL="228600" indent="-228600">
+              <a:buFont typeface="+mj-lt"/>
+              <a:buAutoNum type="arabicPeriod"/>
+            </a:pPr>
+            <a:r>
+              <a:rPr lang="en-US" sz="1200" dirty="0" smtClean="0"/>
+              <a:t>FLL Robot Build Guide</a:t>
+            </a:r>
+          </a:p>
+          <a:p>
+            <a:pPr marL="228600" indent="-228600">
+              <a:buFont typeface="+mj-lt"/>
+              <a:buAutoNum type="arabicPeriod"/>
+            </a:pPr>
+            <a:r>
+              <a:rPr lang="en-US" sz="1200" dirty="0" smtClean="0"/>
+              <a:t>Using Gears with the EV3</a:t>
+            </a:r>
+          </a:p>
+          <a:p>
+            <a:pPr marL="228600" indent="-228600">
+              <a:buFont typeface="+mj-lt"/>
+              <a:buAutoNum type="arabicPeriod"/>
+            </a:pPr>
+            <a:r>
+              <a:rPr lang="en-US" sz="1200" dirty="0" smtClean="0"/>
+              <a:t>One Minute Line Follower</a:t>
+            </a:r>
+          </a:p>
+          <a:p>
+            <a:pPr marL="228600" indent="-228600">
+              <a:buFont typeface="+mj-lt"/>
+              <a:buAutoNum type="arabicPeriod"/>
+            </a:pPr>
+            <a:r>
+              <a:rPr lang="en-US" sz="1200" dirty="0" smtClean="0"/>
+              <a:t>Using Sensors: Move Until</a:t>
+            </a:r>
+          </a:p>
+          <a:p>
+            <a:pPr marL="228600" indent="-228600">
+              <a:buFont typeface="+mj-lt"/>
+              <a:buAutoNum type="arabicPeriod"/>
+            </a:pPr>
+            <a:r>
+              <a:rPr lang="en-US" sz="1200" dirty="0" smtClean="0"/>
+              <a:t>Color Sensor: Shielding and Calibration</a:t>
+            </a:r>
+          </a:p>
+          <a:p>
+            <a:pPr marL="228600" indent="-228600">
+              <a:buFont typeface="+mj-lt"/>
+              <a:buAutoNum type="arabicPeriod"/>
+            </a:pPr>
+            <a:r>
+              <a:rPr lang="en-US" sz="1200" dirty="0" smtClean="0"/>
+              <a:t>My Blocks</a:t>
+            </a:r>
+          </a:p>
+          <a:p>
+            <a:pPr marL="228600" indent="-228600">
+              <a:buFont typeface="+mj-lt"/>
+              <a:buAutoNum type="arabicPeriod"/>
+            </a:pPr>
+            <a:r>
+              <a:rPr lang="en-US" sz="1200" dirty="0" smtClean="0"/>
+              <a:t>Myths &amp; Truths About the Gyro</a:t>
+            </a:r>
+          </a:p>
+          <a:p>
+            <a:pPr marL="228600" indent="-228600">
+              <a:buFont typeface="+mj-lt"/>
+              <a:buAutoNum type="arabicPeriod"/>
+            </a:pPr>
+            <a:r>
+              <a:rPr lang="en-US" sz="1200" dirty="0" smtClean="0"/>
+              <a:t>Truth About Turns: Pivot Turns</a:t>
+            </a:r>
+          </a:p>
+          <a:p>
+            <a:pPr marL="228600" indent="-228600">
+              <a:buFont typeface="+mj-lt"/>
+              <a:buAutoNum type="arabicPeriod"/>
+            </a:pPr>
+            <a:r>
+              <a:rPr lang="en-US" sz="1200" dirty="0" smtClean="0"/>
+              <a:t>Using Comments to Improve Code</a:t>
+            </a:r>
+          </a:p>
+          <a:p>
+            <a:pPr marL="228600" indent="-228600">
+              <a:buFont typeface="+mj-lt"/>
+              <a:buAutoNum type="arabicPeriod"/>
+            </a:pPr>
+            <a:r>
+              <a:rPr lang="en-US" sz="1200" dirty="0" smtClean="0"/>
+              <a:t>Engineering Notebook and Sample</a:t>
+            </a:r>
+          </a:p>
+          <a:p>
+            <a:pPr marL="228600" indent="-228600">
+              <a:buFont typeface="+mj-lt"/>
+              <a:buAutoNum type="arabicPeriod"/>
+            </a:pPr>
+            <a:r>
+              <a:rPr lang="en-US" sz="1200" dirty="0" smtClean="0"/>
+              <a:t>LEGO CAD &amp; Robot Build Instructions</a:t>
+            </a:r>
+          </a:p>
+          <a:p>
+            <a:pPr marL="228600" indent="-228600">
+              <a:buFont typeface="+mj-lt"/>
+              <a:buAutoNum type="arabicPeriod"/>
+            </a:pPr>
+            <a:r>
+              <a:rPr lang="en-US" sz="1200" dirty="0" smtClean="0"/>
+              <a:t>Robot Game Strategy, Strategy Deck</a:t>
+            </a:r>
+          </a:p>
+          <a:p>
+            <a:pPr marL="228600" indent="-228600">
+              <a:buFont typeface="+mj-lt"/>
+              <a:buAutoNum type="arabicPeriod"/>
+            </a:pPr>
+            <a:r>
+              <a:rPr lang="en-US" sz="1200" dirty="0" smtClean="0"/>
+              <a:t>Mission Planning Worksheet</a:t>
+            </a:r>
+          </a:p>
+          <a:p>
+            <a:pPr marL="228600" indent="-228600">
+              <a:buFont typeface="+mj-lt"/>
+              <a:buAutoNum type="arabicPeriod"/>
+            </a:pPr>
+            <a:r>
+              <a:rPr lang="en-US" sz="1200" dirty="0" smtClean="0"/>
+              <a:t>Learning FLL Runs</a:t>
+            </a:r>
+          </a:p>
+          <a:p>
+            <a:pPr marL="228600" indent="-228600">
+              <a:buFont typeface="+mj-lt"/>
+              <a:buAutoNum type="arabicPeriod"/>
+            </a:pPr>
+            <a:r>
+              <a:rPr lang="en-US" sz="1200" dirty="0" smtClean="0"/>
+              <a:t>Edu vs. Home Edition Software</a:t>
+            </a:r>
+          </a:p>
+          <a:p>
+            <a:pPr marL="228600" indent="-228600">
+              <a:buFont typeface="+mj-lt"/>
+              <a:buAutoNum type="arabicPeriod"/>
+            </a:pPr>
+            <a:r>
+              <a:rPr lang="en-US" sz="1200" dirty="0" smtClean="0"/>
+              <a:t>EV3 and NXT </a:t>
+            </a:r>
+            <a:r>
+              <a:rPr lang="en-US" sz="1200" dirty="0" err="1" smtClean="0"/>
+              <a:t>Compatibiltiy</a:t>
+            </a:r>
+            <a:endParaRPr lang="en-US" sz="1200" dirty="0" smtClean="0"/>
+          </a:p>
+          <a:p>
+            <a:pPr marL="228600" indent="-228600">
+              <a:buFont typeface="+mj-lt"/>
+              <a:buAutoNum type="arabicPeriod"/>
+            </a:pPr>
+            <a:r>
+              <a:rPr lang="en-US" sz="1200" dirty="0" smtClean="0"/>
+              <a:t>Updating Software/Firmware Home Edition</a:t>
+            </a:r>
+          </a:p>
+          <a:p>
+            <a:pPr marL="228600" indent="-228600">
+              <a:buFont typeface="+mj-lt"/>
+              <a:buAutoNum type="arabicPeriod"/>
+            </a:pPr>
+            <a:r>
+              <a:rPr lang="en-US" sz="1200" dirty="0" smtClean="0"/>
+              <a:t>Updating Software/Firmware Edu Edition</a:t>
+            </a:r>
+          </a:p>
+          <a:p>
+            <a:pPr marL="228600" indent="-228600">
+              <a:buFont typeface="+mj-lt"/>
+              <a:buAutoNum type="arabicPeriod"/>
+            </a:pPr>
+            <a:r>
+              <a:rPr lang="en-US" sz="1200" dirty="0" smtClean="0"/>
+              <a:t>LEGO Organization Systems</a:t>
+            </a:r>
+          </a:p>
+          <a:p>
+            <a:pPr marL="228600" indent="-228600">
+              <a:buFont typeface="+mj-lt"/>
+              <a:buAutoNum type="arabicPeriod"/>
+            </a:pPr>
+            <a:r>
+              <a:rPr lang="en-US" sz="1200" dirty="0" smtClean="0"/>
+              <a:t>Roles and Responsibilities</a:t>
+            </a:r>
+          </a:p>
+          <a:p>
+            <a:pPr marL="228600" indent="-228600">
+              <a:buFont typeface="+mj-lt"/>
+              <a:buAutoNum type="arabicPeriod"/>
+            </a:pPr>
+            <a:r>
+              <a:rPr lang="en-US" sz="1200" dirty="0" smtClean="0"/>
+              <a:t>Tournament Checklist</a:t>
+            </a:r>
+            <a:endParaRPr lang="en-US" sz="1200" dirty="0"/>
+          </a:p>
+        </p:txBody>
+      </p:sp>
       <p:pic>
         <p:nvPicPr>
-          <p:cNvPr id="7" name="Picture 6" descr="Screen Shot 2015-09-11 at 8.53.44 PM.png"/>
+          <p:cNvPr id="10" name="Picture 9"/>
           <p:cNvPicPr>
             <a:picLocks noChangeAspect="1"/>
           </p:cNvPicPr>
@@ -8623,18 +9060,368 @@
         </p:blipFill>
         <p:spPr>
           <a:xfrm>
-            <a:off x="2142934" y="3091699"/>
-            <a:ext cx="2565318" cy="3284758"/>
+            <a:off x="2283795" y="3359595"/>
+            <a:ext cx="2362090" cy="3041911"/>
           </a:xfrm>
           <a:prstGeom prst="rect">
             <a:avLst/>
           </a:prstGeom>
+          <a:ln w="12700">
+            <a:solidFill>
+              <a:schemeClr val="tx1"/>
+            </a:solidFill>
+          </a:ln>
+        </p:spPr>
+      </p:pic>
+      <p:pic>
+        <p:nvPicPr>
+          <p:cNvPr id="11" name="Picture 10"/>
+          <p:cNvPicPr>
+            <a:picLocks noChangeAspect="1"/>
+          </p:cNvPicPr>
+          <p:nvPr/>
+        </p:nvPicPr>
+        <p:blipFill>
+          <a:blip r:embed="rId6">
+            <a:extLst>
+              <a:ext uri="{28A0092B-C50C-407E-A947-70E740481C1C}">
+                <a14:useLocalDpi xmlns:a14="http://schemas.microsoft.com/office/drawing/2010/main" val="0"/>
+              </a:ext>
+            </a:extLst>
+          </a:blip>
+          <a:stretch>
+            <a:fillRect/>
+          </a:stretch>
+        </p:blipFill>
+        <p:spPr>
+          <a:xfrm>
+            <a:off x="315547" y="3154452"/>
+            <a:ext cx="2189323" cy="2806391"/>
+          </a:xfrm>
+          <a:prstGeom prst="rect">
+            <a:avLst/>
+          </a:prstGeom>
+          <a:ln w="12700" cap="sq">
+            <a:solidFill>
+              <a:srgbClr val="000000"/>
+            </a:solidFill>
+            <a:prstDash val="solid"/>
+            <a:miter lim="800000"/>
+          </a:ln>
+          <a:effectLst>
+            <a:outerShdw blurRad="50800" dist="38100" dir="2700000" algn="tl" rotWithShape="0">
+              <a:srgbClr val="000000">
+                <a:alpha val="43000"/>
+              </a:srgbClr>
+            </a:outerShdw>
+          </a:effectLst>
         </p:spPr>
       </p:pic>
     </p:spTree>
     <p:extLst>
       <p:ext uri="{BB962C8B-B14F-4D97-AF65-F5344CB8AC3E}">
         <p14:creationId xmlns:p14="http://schemas.microsoft.com/office/powerpoint/2010/main" val="4157959621"/>
+      </p:ext>
+    </p:extLst>
+  </p:cSld>
+  <p:clrMapOvr>
+    <a:masterClrMapping/>
+  </p:clrMapOvr>
+</p:sld>
+</file>
+
+<file path=ppt/slides/slide6.xml><?xml version="1.0" encoding="utf-8"?>
+<p:sld xmlns:a="http://schemas.openxmlformats.org/drawingml/2006/main" xmlns:r="http://schemas.openxmlformats.org/officeDocument/2006/relationships" xmlns:p="http://schemas.openxmlformats.org/presentationml/2006/main">
+  <p:cSld>
+    <p:spTree>
+      <p:nvGrpSpPr>
+        <p:cNvPr id="1" name=""/>
+        <p:cNvGrpSpPr/>
+        <p:nvPr/>
+      </p:nvGrpSpPr>
+      <p:grpSpPr>
+        <a:xfrm>
+          <a:off x="0" y="0"/>
+          <a:ext cx="0" cy="0"/>
+          <a:chOff x="0" y="0"/>
+          <a:chExt cx="0" cy="0"/>
+        </a:xfrm>
+      </p:grpSpPr>
+      <p:pic>
+        <p:nvPicPr>
+          <p:cNvPr id="8" name="Picture 7"/>
+          <p:cNvPicPr>
+            <a:picLocks noChangeAspect="1"/>
+          </p:cNvPicPr>
+          <p:nvPr/>
+        </p:nvPicPr>
+        <p:blipFill>
+          <a:blip r:embed="rId2">
+            <a:extLst>
+              <a:ext uri="{28A0092B-C50C-407E-A947-70E740481C1C}">
+                <a14:useLocalDpi xmlns:a14="http://schemas.microsoft.com/office/drawing/2010/main" val="0"/>
+              </a:ext>
+            </a:extLst>
+          </a:blip>
+          <a:stretch>
+            <a:fillRect/>
+          </a:stretch>
+        </p:blipFill>
+        <p:spPr>
+          <a:xfrm rot="1691110">
+            <a:off x="5246338" y="990154"/>
+            <a:ext cx="2899368" cy="2172633"/>
+          </a:xfrm>
+          <a:prstGeom prst="rect">
+            <a:avLst/>
+          </a:prstGeom>
+          <a:ln w="12700" cap="sq">
+            <a:solidFill>
+              <a:srgbClr val="000000"/>
+            </a:solidFill>
+            <a:prstDash val="solid"/>
+            <a:miter lim="800000"/>
+          </a:ln>
+          <a:effectLst>
+            <a:outerShdw blurRad="50800" dist="38100" dir="2700000" algn="tl" rotWithShape="0">
+              <a:srgbClr val="000000">
+                <a:alpha val="43000"/>
+              </a:srgbClr>
+            </a:outerShdw>
+          </a:effectLst>
+        </p:spPr>
+      </p:pic>
+      <p:sp>
+        <p:nvSpPr>
+          <p:cNvPr id="2" name="Title 1"/>
+          <p:cNvSpPr>
+            <a:spLocks noGrp="1"/>
+          </p:cNvSpPr>
+          <p:nvPr>
+            <p:ph type="title"/>
+          </p:nvPr>
+        </p:nvSpPr>
+        <p:spPr/>
+        <p:txBody>
+          <a:bodyPr/>
+          <a:lstStyle/>
+          <a:p>
+            <a:r>
+              <a:rPr lang="en-US" dirty="0" smtClean="0"/>
+              <a:t>RESOURCES</a:t>
+            </a:r>
+            <a:endParaRPr lang="en-US" dirty="0"/>
+          </a:p>
+        </p:txBody>
+      </p:sp>
+      <p:sp>
+        <p:nvSpPr>
+          <p:cNvPr id="3" name="Content Placeholder 2"/>
+          <p:cNvSpPr>
+            <a:spLocks noGrp="1"/>
+          </p:cNvSpPr>
+          <p:nvPr>
+            <p:ph idx="1"/>
+          </p:nvPr>
+        </p:nvSpPr>
+        <p:spPr>
+          <a:xfrm>
+            <a:off x="457200" y="1752600"/>
+            <a:ext cx="4020207" cy="4373563"/>
+          </a:xfrm>
+        </p:spPr>
+        <p:txBody>
+          <a:bodyPr/>
+          <a:lstStyle/>
+          <a:p>
+            <a:r>
+              <a:rPr lang="en-US" dirty="0" smtClean="0"/>
+              <a:t>The resources page contains lots of useful material for FIRST LEGO League teams:</a:t>
+            </a:r>
+          </a:p>
+          <a:p>
+            <a:pPr marL="457200" indent="-457200">
+              <a:buAutoNum type="arabicParenR"/>
+            </a:pPr>
+            <a:r>
+              <a:rPr lang="en-US" dirty="0" smtClean="0"/>
+              <a:t>Trash Trek Scorer</a:t>
+            </a:r>
+          </a:p>
+          <a:p>
+            <a:pPr marL="457200" indent="-457200">
+              <a:buAutoNum type="arabicParenR"/>
+            </a:pPr>
+            <a:r>
+              <a:rPr lang="en-US" dirty="0" err="1" smtClean="0"/>
+              <a:t>Interctive</a:t>
+            </a:r>
+            <a:r>
+              <a:rPr lang="en-US" dirty="0" smtClean="0"/>
+              <a:t> Sketch Planner</a:t>
+            </a:r>
+          </a:p>
+          <a:p>
+            <a:pPr marL="457200" indent="-457200">
+              <a:buAutoNum type="arabicParenR"/>
+            </a:pPr>
+            <a:r>
+              <a:rPr lang="en-US" dirty="0" smtClean="0"/>
+              <a:t>Wheel Converter</a:t>
+            </a:r>
+          </a:p>
+          <a:p>
+            <a:pPr marL="457200" indent="-457200">
+              <a:buAutoNum type="arabicParenR"/>
+            </a:pPr>
+            <a:r>
+              <a:rPr lang="en-US" dirty="0" smtClean="0"/>
+              <a:t>Core Value Activities</a:t>
+            </a:r>
+          </a:p>
+          <a:p>
+            <a:pPr marL="457200" indent="-457200">
+              <a:buAutoNum type="arabicParenR"/>
+            </a:pPr>
+            <a:r>
+              <a:rPr lang="is-IS" dirty="0" smtClean="0"/>
+              <a:t>….</a:t>
+            </a:r>
+            <a:endParaRPr lang="en-US" dirty="0" smtClean="0"/>
+          </a:p>
+        </p:txBody>
+      </p:sp>
+      <p:sp>
+        <p:nvSpPr>
+          <p:cNvPr id="4" name="Footer Placeholder 3"/>
+          <p:cNvSpPr>
+            <a:spLocks noGrp="1"/>
+          </p:cNvSpPr>
+          <p:nvPr>
+            <p:ph type="ftr" sz="quarter" idx="11"/>
+          </p:nvPr>
+        </p:nvSpPr>
+        <p:spPr>
+          <a:xfrm>
+            <a:off x="457200" y="6492875"/>
+            <a:ext cx="3891776" cy="283845"/>
+          </a:xfrm>
+        </p:spPr>
+        <p:txBody>
+          <a:bodyPr/>
+          <a:lstStyle/>
+          <a:p>
+            <a:r>
+              <a:rPr lang="en-US" smtClean="0"/>
+              <a:t>Copyright © EV3Lessons.com 2015 (Last edit: 11/14/2015)</a:t>
+            </a:r>
+            <a:endParaRPr lang="en-US"/>
+          </a:p>
+        </p:txBody>
+      </p:sp>
+      <p:pic>
+        <p:nvPicPr>
+          <p:cNvPr id="5" name="Picture 4"/>
+          <p:cNvPicPr>
+            <a:picLocks noChangeAspect="1"/>
+          </p:cNvPicPr>
+          <p:nvPr/>
+        </p:nvPicPr>
+        <p:blipFill>
+          <a:blip r:embed="rId3"/>
+          <a:stretch>
+            <a:fillRect/>
+          </a:stretch>
+        </p:blipFill>
+        <p:spPr>
+          <a:xfrm>
+            <a:off x="4691095" y="1823360"/>
+            <a:ext cx="3130150" cy="2269359"/>
+          </a:xfrm>
+          <a:prstGeom prst="rect">
+            <a:avLst/>
+          </a:prstGeom>
+          <a:ln w="12700">
+            <a:solidFill>
+              <a:schemeClr val="tx1"/>
+            </a:solidFill>
+          </a:ln>
+        </p:spPr>
+      </p:pic>
+      <p:pic>
+        <p:nvPicPr>
+          <p:cNvPr id="6" name="Picture 5"/>
+          <p:cNvPicPr>
+            <a:picLocks noChangeAspect="1"/>
+          </p:cNvPicPr>
+          <p:nvPr/>
+        </p:nvPicPr>
+        <p:blipFill>
+          <a:blip r:embed="rId4">
+            <a:extLst>
+              <a:ext uri="{28A0092B-C50C-407E-A947-70E740481C1C}">
+                <a14:useLocalDpi xmlns:a14="http://schemas.microsoft.com/office/drawing/2010/main" val="0"/>
+              </a:ext>
+            </a:extLst>
+          </a:blip>
+          <a:stretch>
+            <a:fillRect/>
+          </a:stretch>
+        </p:blipFill>
+        <p:spPr>
+          <a:xfrm rot="1228744">
+            <a:off x="6215606" y="3646449"/>
+            <a:ext cx="2039704" cy="2588012"/>
+          </a:xfrm>
+          <a:prstGeom prst="rect">
+            <a:avLst/>
+          </a:prstGeom>
+          <a:ln w="12700">
+            <a:solidFill>
+              <a:schemeClr val="tx1"/>
+            </a:solidFill>
+          </a:ln>
+        </p:spPr>
+      </p:pic>
+      <p:pic>
+        <p:nvPicPr>
+          <p:cNvPr id="7" name="Picture 6"/>
+          <p:cNvPicPr>
+            <a:picLocks noChangeAspect="1"/>
+          </p:cNvPicPr>
+          <p:nvPr/>
+        </p:nvPicPr>
+        <p:blipFill>
+          <a:blip r:embed="rId5">
+            <a:extLst>
+              <a:ext uri="{28A0092B-C50C-407E-A947-70E740481C1C}">
+                <a14:useLocalDpi xmlns:a14="http://schemas.microsoft.com/office/drawing/2010/main" val="0"/>
+              </a:ext>
+            </a:extLst>
+          </a:blip>
+          <a:stretch>
+            <a:fillRect/>
+          </a:stretch>
+        </p:blipFill>
+        <p:spPr>
+          <a:xfrm rot="20572372">
+            <a:off x="4238253" y="3671115"/>
+            <a:ext cx="2105716" cy="2707996"/>
+          </a:xfrm>
+          <a:prstGeom prst="rect">
+            <a:avLst/>
+          </a:prstGeom>
+          <a:ln w="12700">
+            <a:solidFill>
+              <a:schemeClr val="tx1"/>
+            </a:solidFill>
+          </a:ln>
+        </p:spPr>
+      </p:pic>
+    </p:spTree>
+    <p:extLst>
+      <p:ext uri="{BB962C8B-B14F-4D97-AF65-F5344CB8AC3E}">
+        <p14:creationId xmlns:p14="http://schemas.microsoft.com/office/powerpoint/2010/main" val="1247506668"/>
       </p:ext>
     </p:extLst>
   </p:cSld>
@@ -9152,7 +9939,7 @@
   <a:extraClrSchemeLst/>
   <a:extLst>
     <a:ext uri="{05A4C25C-085E-4340-85A3-A5531E510DB2}">
-      <thm15:themeFamily xmlns:thm15="http://schemas.microsoft.com/office/thememl/2012/main" xmlns="" name="Office Theme" id="{62F939B6-93AF-4DB8-9C6B-D6C7DFDC589F}" vid="{4A3C46E8-61CC-4603-A589-7422A47A8E4A}"/>
+      <thm15:themeFamily xmlns:thm15="http://schemas.microsoft.com/office/thememl/2012/main" name="Office Theme" id="{62F939B6-93AF-4DB8-9C6B-D6C7DFDC589F}" vid="{4A3C46E8-61CC-4603-A589-7422A47A8E4A}"/>
     </a:ext>
   </a:extLst>
 </a:theme>

--- a/translations/en-us/beginner/LessonUse.pptx
+++ b/translations/en-us/beginner/LessonUse.pptx
@@ -7292,7 +7292,7 @@
           <a:noFill/>
           <a:extLst>
             <a:ext uri="{909E8E84-426E-40dd-AFC4-6F175D3DCCD1}">
-              <a14:hiddenFill xmlns:a14="http://schemas.microsoft.com/office/drawing/2010/main" xmlns="">
+              <a14:hiddenFill xmlns="" xmlns:a14="http://schemas.microsoft.com/office/drawing/2010/main">
                 <a:solidFill>
                   <a:srgbClr val="FFFFFF"/>
                 </a:solidFill>
@@ -7474,11 +7474,7 @@
             </a:pPr>
             <a:r>
               <a:rPr lang="en-US" b="0" dirty="0" smtClean="0"/>
-              <a:t>Beginner Lessons are designed to be done in order. Intermediate and Advanced Lessons may be done out of order.  Lessons usually mention specific pre-requisites when needed</a:t>
-            </a:r>
-            <a:r>
-              <a:rPr lang="en-US" b="0" dirty="0" smtClean="0"/>
-              <a:t>.</a:t>
+              <a:t>Beginner Lessons are designed to be done in order. Intermediate and Advanced Lessons may be done out of order.  Lessons usually mention specific pre-requisites when needed.</a:t>
             </a:r>
           </a:p>
           <a:p>
@@ -7922,11 +7918,7 @@
                       </a:r>
                       <a:r>
                         <a:rPr lang="en-US" sz="1400" baseline="0" dirty="0" smtClean="0"/>
-                        <a:t> </a:t>
-                      </a:r>
-                      <a:r>
-                        <a:rPr lang="en-US" sz="1400" baseline="0" dirty="0" smtClean="0"/>
-                        <a:t>Straight</a:t>
+                        <a:t> Straight</a:t>
                       </a:r>
                     </a:p>
                     <a:p>
@@ -7938,7 +7930,6 @@
                         <a:rPr lang="en-US" sz="1400" baseline="0" dirty="0" smtClean="0"/>
                         <a:t>Port View</a:t>
                       </a:r>
-                      <a:endParaRPr lang="en-US" sz="1400" baseline="0" dirty="0" smtClean="0"/>
                     </a:p>
                     <a:p>
                       <a:pPr marL="285750" indent="-285750">
@@ -8028,11 +8019,7 @@
                       </a:pPr>
                       <a:r>
                         <a:rPr lang="en-US" sz="1400" baseline="0" dirty="0" smtClean="0"/>
-                        <a:t>Basic Line </a:t>
-                      </a:r>
-                      <a:r>
-                        <a:rPr lang="en-US" sz="1400" baseline="0" dirty="0" smtClean="0"/>
-                        <a:t>Follower</a:t>
+                        <a:t>Basic Line Follower</a:t>
                       </a:r>
                     </a:p>
                     <a:p>
@@ -8044,7 +8031,6 @@
                         <a:rPr lang="en-US" sz="1400" baseline="0" dirty="0" smtClean="0"/>
                         <a:t>Moving an Object</a:t>
                       </a:r>
-                      <a:endParaRPr lang="en-US" sz="1400" baseline="0" dirty="0" smtClean="0"/>
                     </a:p>
                     <a:p>
                       <a:pPr marL="285750" indent="-285750">
@@ -8104,15 +8090,7 @@
                       </a:pPr>
                       <a:r>
                         <a:rPr lang="en-US" sz="1400" dirty="0" smtClean="0"/>
-                        <a:t>My </a:t>
-                      </a:r>
-                      <a:r>
-                        <a:rPr lang="en-US" sz="1400" dirty="0" smtClean="0"/>
-                        <a:t>Blocks with </a:t>
-                      </a:r>
-                      <a:r>
-                        <a:rPr lang="en-US" sz="1400" dirty="0" smtClean="0"/>
-                        <a:t>Inputs</a:t>
+                        <a:t>My Blocks with Inputs</a:t>
                       </a:r>
                       <a:r>
                         <a:rPr lang="en-US" sz="1400" baseline="0" dirty="0" smtClean="0"/>
@@ -8122,7 +8100,6 @@
                         <a:rPr lang="en-US" sz="1400" dirty="0" smtClean="0"/>
                         <a:t>Outputs</a:t>
                       </a:r>
-                      <a:endParaRPr lang="en-US" sz="1400" dirty="0" smtClean="0"/>
                     </a:p>
                     <a:p>
                       <a:pPr marL="285750" indent="-285750">
@@ -8223,11 +8200,7 @@
                       </a:pPr>
                       <a:r>
                         <a:rPr lang="en-US" sz="1400" baseline="0" dirty="0" smtClean="0"/>
-                        <a:t>Color </a:t>
-                      </a:r>
-                      <a:r>
-                        <a:rPr lang="en-US" sz="1400" baseline="0" dirty="0" smtClean="0"/>
-                        <a:t>Sensor Calibration</a:t>
+                        <a:t>Color Sensor Calibration</a:t>
                       </a:r>
                     </a:p>
                     <a:p>
@@ -8257,11 +8230,7 @@
                       </a:pPr>
                       <a:r>
                         <a:rPr lang="en-US" sz="1400" baseline="0" dirty="0" smtClean="0"/>
-                        <a:t>Parallel </a:t>
-                      </a:r>
-                      <a:r>
-                        <a:rPr lang="en-US" sz="1400" baseline="0" dirty="0" smtClean="0"/>
-                        <a:t>Beams</a:t>
+                        <a:t>Parallel Beams</a:t>
                       </a:r>
                     </a:p>
                     <a:p>
@@ -8293,13 +8262,8 @@
                       </a:r>
                       <a:r>
                         <a:rPr lang="en-US" sz="1400" baseline="0" dirty="0" smtClean="0"/>
-                        <a:t> Beams </a:t>
+                        <a:t> Beams Synchronization</a:t>
                       </a:r>
-                      <a:r>
-                        <a:rPr lang="en-US" sz="1400" baseline="0" dirty="0" smtClean="0"/>
-                        <a:t>Synchronization</a:t>
-                      </a:r>
-                      <a:endParaRPr lang="en-US" sz="1400" baseline="0" dirty="0" smtClean="0"/>
                     </a:p>
                     <a:p>
                       <a:pPr marL="285750" indent="-285750">
@@ -8368,11 +8332,7 @@
                       </a:pPr>
                       <a:r>
                         <a:rPr lang="en-US" sz="1400" baseline="0" dirty="0" smtClean="0"/>
-                        <a:t>Gyro Sensor </a:t>
-                      </a:r>
-                      <a:r>
-                        <a:rPr lang="en-US" sz="1400" baseline="0" dirty="0" smtClean="0"/>
-                        <a:t>Turns</a:t>
+                        <a:t>Gyro Sensor Turns</a:t>
                       </a:r>
                     </a:p>
                     <a:p>
@@ -8384,7 +8344,6 @@
                         <a:rPr lang="en-US" sz="1400" baseline="0" dirty="0" smtClean="0"/>
                         <a:t>Gyro Move Straight and Wall Follow</a:t>
                       </a:r>
-                      <a:endParaRPr lang="en-US" sz="1400" baseline="0" dirty="0" smtClean="0"/>
                     </a:p>
                     <a:p>
                       <a:pPr marL="285750" indent="-285750">
@@ -8393,13 +8352,8 @@
                       </a:pPr>
                       <a:r>
                         <a:rPr lang="en-US" sz="1400" baseline="0" dirty="0" smtClean="0"/>
-                        <a:t>Squaring on </a:t>
+                        <a:t>Squaring on Lines</a:t>
                       </a:r>
-                      <a:r>
-                        <a:rPr lang="en-US" sz="1400" baseline="0" dirty="0" smtClean="0"/>
-                        <a:t>Lines</a:t>
-                      </a:r>
-                      <a:endParaRPr lang="en-US" sz="1400" baseline="0" dirty="0" smtClean="0"/>
                     </a:p>
                     <a:p>
                       <a:pPr marL="285750" indent="-285750">
@@ -8418,11 +8372,7 @@
                       </a:pPr>
                       <a:r>
                         <a:rPr lang="en-US" sz="1400" baseline="0" dirty="0" smtClean="0"/>
-                        <a:t>Menu </a:t>
-                      </a:r>
-                      <a:r>
-                        <a:rPr lang="en-US" sz="1400" baseline="0" dirty="0" smtClean="0"/>
-                        <a:t>System</a:t>
+                        <a:t>Menu System</a:t>
                       </a:r>
                     </a:p>
                     <a:p>
@@ -8625,11 +8575,7 @@
           <a:p>
             <a:r>
               <a:rPr lang="en-US" dirty="0" smtClean="0"/>
-              <a:t>Quick </a:t>
-            </a:r>
-            <a:r>
-              <a:rPr lang="en-US" dirty="0" smtClean="0"/>
-              <a:t>guides</a:t>
+              <a:t>Quick guides</a:t>
             </a:r>
             <a:endParaRPr lang="en-US" dirty="0"/>
           </a:p>
@@ -8657,35 +8603,15 @@
           <a:p>
             <a:r>
               <a:rPr lang="en-US" dirty="0" smtClean="0"/>
-              <a:t>These provide quick </a:t>
+              <a:t>These provide quick information on a variety of useful </a:t>
+            </a:r>
+            <a:r>
+              <a:rPr lang="en-US" smtClean="0"/>
+              <a:t>topics. </a:t>
             </a:r>
             <a:r>
               <a:rPr lang="en-US" dirty="0" smtClean="0"/>
-              <a:t>information on a variety of useful </a:t>
-            </a:r>
-            <a:r>
-              <a:rPr lang="en-US" smtClean="0"/>
-              <a:t>topics. </a:t>
-            </a:r>
-            <a:r>
-              <a:rPr lang="en-US" dirty="0" smtClean="0"/>
-              <a:t>Use </a:t>
-            </a:r>
-            <a:r>
-              <a:rPr lang="en-US" dirty="0" smtClean="0"/>
-              <a:t>them </a:t>
-            </a:r>
-            <a:r>
-              <a:rPr lang="en-US" dirty="0" smtClean="0"/>
-              <a:t>as you need – as </a:t>
-            </a:r>
-            <a:r>
-              <a:rPr lang="en-US" dirty="0" smtClean="0"/>
-              <a:t>handouts or as </a:t>
-            </a:r>
-            <a:r>
-              <a:rPr lang="en-US" dirty="0" smtClean="0"/>
-              <a:t>discussion guides</a:t>
+              <a:t>Use them as you need – as handouts or as discussion guides</a:t>
             </a:r>
             <a:endParaRPr lang="en-US" dirty="0"/>
           </a:p>
@@ -9253,12 +9179,12 @@
               <a:buAutoNum type="arabicParenR"/>
             </a:pPr>
             <a:r>
-              <a:rPr lang="en-US" dirty="0" err="1" smtClean="0"/>
-              <a:t>Interctive</a:t>
-            </a:r>
-            <a:r>
               <a:rPr lang="en-US" dirty="0" smtClean="0"/>
-              <a:t> Sketch Planner</a:t>
+              <a:t>Interactive </a:t>
+            </a:r>
+            <a:r>
+              <a:rPr lang="en-US" dirty="0" smtClean="0"/>
+              <a:t>Sketch Planner</a:t>
             </a:r>
           </a:p>
           <a:p>
